--- a/sunum.pptx
+++ b/sunum.pptx
@@ -12,7 +12,9 @@
     <p:sldId id="262" r:id="rId6"/>
     <p:sldId id="261" r:id="rId7"/>
     <p:sldId id="263" r:id="rId8"/>
-    <p:sldId id="264" r:id="rId9"/>
+    <p:sldId id="267" r:id="rId9"/>
+    <p:sldId id="265" r:id="rId10"/>
+    <p:sldId id="264" r:id="rId11"/>
   </p:sldIdLst>
   <p:sldSz cx="12192000" cy="6858000"/>
   <p:notesSz cx="6858000" cy="9144000"/>
@@ -111,6 +113,11 @@
       </a:defRPr>
     </a:lvl9pPr>
   </p:defaultTextStyle>
+  <p:extLst>
+    <p:ext uri="{EFAFB233-063F-42B5-8137-9DF3F51BA10A}">
+      <p15:sldGuideLst xmlns:p15="http://schemas.microsoft.com/office/powerpoint/2012/main"/>
+    </p:ext>
+  </p:extLst>
 </p:presentation>
 </file>
 
@@ -517,7 +524,7 @@
           <a:p>
             <a:fld id="{83284890-85D2-4D7B-8EF5-15A9C1DB8F42}" type="datetimeFigureOut">
               <a:rPr lang="en-US" dirty="0"/>
-              <a:t>4/6/2019</a:t>
+              <a:t>4/8/2019</a:t>
             </a:fld>
             <a:endParaRPr lang="en-US" dirty="0"/>
           </a:p>
@@ -692,7 +699,7 @@
           <a:p>
             <a:fld id="{87157CC2-0FC8-4686-B024-99790E0F5162}" type="datetimeFigureOut">
               <a:rPr lang="en-US" dirty="0"/>
-              <a:t>4/6/2019</a:t>
+              <a:t>4/8/2019</a:t>
             </a:fld>
             <a:endParaRPr lang="en-US" dirty="0"/>
           </a:p>
@@ -867,7 +874,7 @@
           <a:p>
             <a:fld id="{F6764DA5-CD3D-4590-A511-FCD3BC7A793E}" type="datetimeFigureOut">
               <a:rPr lang="en-US" dirty="0"/>
-              <a:t>4/6/2019</a:t>
+              <a:t>4/8/2019</a:t>
             </a:fld>
             <a:endParaRPr lang="en-US" dirty="0"/>
           </a:p>
@@ -1032,7 +1039,7 @@
           <a:p>
             <a:fld id="{82F5661D-6934-4B32-B92C-470368BF1EC6}" type="datetimeFigureOut">
               <a:rPr lang="en-US" dirty="0"/>
-              <a:t>4/6/2019</a:t>
+              <a:t>4/8/2019</a:t>
             </a:fld>
             <a:endParaRPr lang="en-US" dirty="0"/>
           </a:p>
@@ -1340,7 +1347,7 @@
           <a:p>
             <a:fld id="{C6F822A4-8DA6-4447-9B1F-C5DB58435268}" type="datetimeFigureOut">
               <a:rPr lang="en-US" dirty="0"/>
-              <a:t>4/6/2019</a:t>
+              <a:t>4/8/2019</a:t>
             </a:fld>
             <a:endParaRPr lang="en-US" dirty="0"/>
           </a:p>
@@ -1722,7 +1729,7 @@
           <a:p>
             <a:fld id="{E548D31E-DCDA-41A7-9C67-C4B11B94D21D}" type="datetimeFigureOut">
               <a:rPr lang="en-US" dirty="0"/>
-              <a:t>4/6/2019</a:t>
+              <a:t>4/8/2019</a:t>
             </a:fld>
             <a:endParaRPr lang="en-US" dirty="0"/>
           </a:p>
@@ -2151,7 +2158,7 @@
           <a:p>
             <a:fld id="{9B3762C0-B258-48F1-ADE6-176B4174CCDD}" type="datetimeFigureOut">
               <a:rPr lang="en-US" dirty="0"/>
-              <a:t>4/6/2019</a:t>
+              <a:t>4/8/2019</a:t>
             </a:fld>
             <a:endParaRPr lang="en-US" dirty="0"/>
           </a:p>
@@ -2264,7 +2271,7 @@
           <a:p>
             <a:fld id="{677919A6-33EB-49BD-A62F-1FA56B9F9712}" type="datetimeFigureOut">
               <a:rPr lang="en-US" dirty="0"/>
-              <a:t>4/6/2019</a:t>
+              <a:t>4/8/2019</a:t>
             </a:fld>
             <a:endParaRPr lang="en-US" dirty="0"/>
           </a:p>
@@ -2354,7 +2361,7 @@
           <a:p>
             <a:fld id="{CA4E7D1B-D673-4CF6-8672-009D42ABD2A0}" type="datetimeFigureOut">
               <a:rPr lang="en-US" dirty="0"/>
-              <a:t>4/6/2019</a:t>
+              <a:t>4/8/2019</a:t>
             </a:fld>
             <a:endParaRPr lang="en-US" dirty="0"/>
           </a:p>
@@ -2699,7 +2706,7 @@
           <a:p>
             <a:fld id="{DA16AA21-1863-4931-97CB-99D0A168701B}" type="datetimeFigureOut">
               <a:rPr lang="en-US" dirty="0"/>
-              <a:t>4/6/2019</a:t>
+              <a:t>4/8/2019</a:t>
             </a:fld>
             <a:endParaRPr lang="en-US" dirty="0"/>
           </a:p>
@@ -3119,7 +3126,7 @@
           <a:p>
             <a:fld id="{3772C379-9A7C-4C87-A116-CBE9F58B04C5}" type="datetimeFigureOut">
               <a:rPr lang="en-US" dirty="0"/>
-              <a:t>4/6/2019</a:t>
+              <a:t>4/8/2019</a:t>
             </a:fld>
             <a:endParaRPr lang="en-US" dirty="0"/>
           </a:p>
@@ -3395,7 +3402,7 @@
           <a:p>
             <a:fld id="{8664C608-40B1-4030-A28D-5B74BC98ADCE}" type="datetimeFigureOut">
               <a:rPr lang="en-US" dirty="0"/>
-              <a:t>4/6/2019</a:t>
+              <a:t>4/8/2019</a:t>
             </a:fld>
             <a:endParaRPr lang="en-US" dirty="0"/>
           </a:p>
@@ -4481,6 +4488,422 @@
 </p:sld>
 </file>
 
+<file path=ppt/slides/slide10.xml><?xml version="1.0" encoding="utf-8"?>
+<p:sld xmlns:a="http://schemas.openxmlformats.org/drawingml/2006/main" xmlns:r="http://schemas.openxmlformats.org/officeDocument/2006/relationships" xmlns:p="http://schemas.openxmlformats.org/presentationml/2006/main">
+  <p:cSld>
+    <p:spTree>
+      <p:nvGrpSpPr>
+        <p:cNvPr id="1" name=""/>
+        <p:cNvGrpSpPr/>
+        <p:nvPr/>
+      </p:nvGrpSpPr>
+      <p:grpSpPr>
+        <a:xfrm>
+          <a:off x="0" y="0"/>
+          <a:ext cx="0" cy="0"/>
+          <a:chOff x="0" y="0"/>
+          <a:chExt cx="0" cy="0"/>
+        </a:xfrm>
+      </p:grpSpPr>
+      <p:sp>
+        <p:nvSpPr>
+          <p:cNvPr id="2" name="Unvan 1">
+            <a:extLst>
+              <a:ext uri="{FF2B5EF4-FFF2-40B4-BE49-F238E27FC236}">
+                <a16:creationId xmlns:a16="http://schemas.microsoft.com/office/drawing/2014/main" id="{903ADB42-4286-43B5-A5BB-76916C04764B}"/>
+              </a:ext>
+            </a:extLst>
+          </p:cNvPr>
+          <p:cNvSpPr>
+            <a:spLocks noGrp="1"/>
+          </p:cNvSpPr>
+          <p:nvPr>
+            <p:ph type="title"/>
+          </p:nvPr>
+        </p:nvSpPr>
+        <p:spPr/>
+        <p:txBody>
+          <a:bodyPr/>
+          <a:lstStyle/>
+          <a:p>
+            <a:r>
+              <a:rPr lang="tr-TR" dirty="0"/>
+              <a:t>Test </a:t>
+            </a:r>
+            <a:r>
+              <a:rPr lang="tr-TR" dirty="0" err="1"/>
+              <a:t>results</a:t>
+            </a:r>
+            <a:endParaRPr lang="tr-TR" dirty="0"/>
+          </a:p>
+        </p:txBody>
+      </p:sp>
+      <mc:AlternateContent xmlns:mc="http://schemas.openxmlformats.org/markup-compatibility/2006">
+        <mc:Choice xmlns:a14="http://schemas.microsoft.com/office/drawing/2010/main" Requires="a14">
+          <p:sp>
+            <p:nvSpPr>
+              <p:cNvPr id="3" name="İçerik Yer Tutucusu 2">
+                <a:extLst>
+                  <a:ext uri="{FF2B5EF4-FFF2-40B4-BE49-F238E27FC236}">
+                    <a16:creationId xmlns:a16="http://schemas.microsoft.com/office/drawing/2014/main" id="{59C386E7-AA81-4125-8B3B-911943D182F8}"/>
+                  </a:ext>
+                </a:extLst>
+              </p:cNvPr>
+              <p:cNvSpPr>
+                <a:spLocks noGrp="1"/>
+              </p:cNvSpPr>
+              <p:nvPr>
+                <p:ph idx="1"/>
+              </p:nvPr>
+            </p:nvSpPr>
+            <p:spPr>
+              <a:xfrm>
+                <a:off x="1066800" y="1728502"/>
+                <a:ext cx="10058400" cy="4908042"/>
+              </a:xfrm>
+            </p:spPr>
+            <p:txBody>
+              <a:bodyPr/>
+              <a:lstStyle/>
+              <a:p>
+                <a:r>
+                  <a:rPr lang="tr-TR" dirty="0"/>
+                  <a:t>7 </a:t>
+                </a:r>
+                <a:r>
+                  <a:rPr lang="tr-TR" dirty="0" err="1"/>
+                  <a:t>turns</a:t>
+                </a:r>
+                <a:endParaRPr lang="tr-TR" dirty="0"/>
+              </a:p>
+              <a:p>
+                <a:pPr marL="0" indent="0">
+                  <a:buNone/>
+                </a:pPr>
+                <a:r>
+                  <a:rPr lang="tr-TR" dirty="0"/>
+                  <a:t>  Open </a:t>
+                </a:r>
+                <a:r>
+                  <a:rPr lang="tr-TR" dirty="0" err="1"/>
+                  <a:t>Cct</a:t>
+                </a:r>
+                <a:r>
+                  <a:rPr lang="tr-TR" dirty="0"/>
+                  <a:t>                                                                 </a:t>
+                </a:r>
+                <a:r>
+                  <a:rPr lang="tr-TR" dirty="0" err="1"/>
+                  <a:t>Short</a:t>
+                </a:r>
+                <a:r>
+                  <a:rPr lang="tr-TR" dirty="0"/>
+                  <a:t> </a:t>
+                </a:r>
+                <a:r>
+                  <a:rPr lang="tr-TR" dirty="0" err="1"/>
+                  <a:t>Cct</a:t>
+                </a:r>
+                <a:endParaRPr lang="tr-TR" dirty="0"/>
+              </a:p>
+              <a:p>
+                <a:pPr marL="0" indent="0">
+                  <a:buNone/>
+                </a:pPr>
+                <a:endParaRPr lang="tr-TR" dirty="0"/>
+              </a:p>
+              <a:p>
+                <a:pPr marL="0" indent="0">
+                  <a:buNone/>
+                </a:pPr>
+                <a:endParaRPr lang="tr-TR" dirty="0"/>
+              </a:p>
+              <a:p>
+                <a:pPr marL="0" indent="0">
+                  <a:buNone/>
+                </a:pPr>
+                <a:endParaRPr lang="tr-TR" dirty="0"/>
+              </a:p>
+              <a:p>
+                <a:pPr marL="0" indent="0">
+                  <a:buNone/>
+                </a:pPr>
+                <a:endParaRPr lang="tr-TR" dirty="0"/>
+              </a:p>
+              <a:p>
+                <a:pPr marL="0" indent="0">
+                  <a:buNone/>
+                </a:pPr>
+                <a:endParaRPr lang="tr-TR" dirty="0"/>
+              </a:p>
+              <a:p>
+                <a:pPr marL="0" indent="0">
+                  <a:buNone/>
+                </a:pPr>
+                <a:endParaRPr lang="tr-TR" dirty="0"/>
+              </a:p>
+              <a:p>
+                <a:pPr marL="0" indent="0">
+                  <a:buNone/>
+                </a:pPr>
+                <a:endParaRPr lang="tr-TR" dirty="0"/>
+              </a:p>
+              <a:p>
+                <a:pPr marL="0" indent="0">
+                  <a:buNone/>
+                </a:pPr>
+                <a:endParaRPr lang="tr-TR" dirty="0"/>
+              </a:p>
+              <a:p>
+                <a:pPr marL="0" indent="0">
+                  <a:buNone/>
+                </a:pPr>
+                <a14:m>
+                  <m:oMath xmlns:m="http://schemas.openxmlformats.org/officeDocument/2006/math">
+                    <m:sSub>
+                      <m:sSubPr>
+                        <m:ctrlPr>
+                          <a:rPr lang="tr-TR" i="1">
+                            <a:latin typeface="Cambria Math" panose="02040503050406030204" pitchFamily="18" charset="0"/>
+                          </a:rPr>
+                        </m:ctrlPr>
+                      </m:sSubPr>
+                      <m:e>
+                        <m:r>
+                          <a:rPr lang="tr-TR" i="1">
+                            <a:latin typeface="Cambria Math" panose="02040503050406030204" pitchFamily="18" charset="0"/>
+                          </a:rPr>
+                          <m:t>𝐿</m:t>
+                        </m:r>
+                      </m:e>
+                      <m:sub>
+                        <m:r>
+                          <a:rPr lang="tr-TR" i="1">
+                            <a:latin typeface="Cambria Math" panose="02040503050406030204" pitchFamily="18" charset="0"/>
+                          </a:rPr>
+                          <m:t>𝑀</m:t>
+                        </m:r>
+                      </m:sub>
+                    </m:sSub>
+                  </m:oMath>
+                </a14:m>
+                <a:r>
+                  <a:rPr lang="tr-TR" dirty="0"/>
+                  <a:t> </a:t>
+                </a:r>
+                <a:r>
+                  <a:rPr lang="tr-TR" dirty="0">
+                    <a:latin typeface="Cambria Math" panose="02040503050406030204" pitchFamily="18" charset="0"/>
+                    <a:ea typeface="Cambria Math" panose="02040503050406030204" pitchFamily="18" charset="0"/>
+                  </a:rPr>
+                  <a:t>=15.79</a:t>
+                </a:r>
+                <a:r>
+                  <a:rPr lang="tr-TR" dirty="0">
+                    <a:ea typeface="Cambria Math" panose="02040503050406030204" pitchFamily="18" charset="0"/>
+                  </a:rPr>
+                  <a:t> </a:t>
+                </a:r>
+                <a14:m>
+                  <m:oMath xmlns:m="http://schemas.openxmlformats.org/officeDocument/2006/math">
+                    <m:r>
+                      <a:rPr lang="tr-TR" i="1">
+                        <a:latin typeface="Cambria Math" panose="02040503050406030204" pitchFamily="18" charset="0"/>
+                        <a:ea typeface="Cambria Math" panose="02040503050406030204" pitchFamily="18" charset="0"/>
+                      </a:rPr>
+                      <m:t>µ</m:t>
+                    </m:r>
+                    <m:r>
+                      <a:rPr lang="tr-TR" i="1">
+                        <a:latin typeface="Cambria Math" panose="02040503050406030204" pitchFamily="18" charset="0"/>
+                        <a:ea typeface="Cambria Math" panose="02040503050406030204" pitchFamily="18" charset="0"/>
+                      </a:rPr>
+                      <m:t>𝐻</m:t>
+                    </m:r>
+                  </m:oMath>
+                </a14:m>
+                <a:r>
+                  <a:rPr lang="tr-TR" dirty="0">
+                    <a:latin typeface="Cambria Math" panose="02040503050406030204" pitchFamily="18" charset="0"/>
+                    <a:ea typeface="Cambria Math" panose="02040503050406030204" pitchFamily="18" charset="0"/>
+                  </a:rPr>
+                  <a:t> -(6.98</a:t>
+                </a:r>
+                <a:r>
+                  <a:rPr lang="tr-TR" dirty="0">
+                    <a:ea typeface="Cambria Math" panose="02040503050406030204" pitchFamily="18" charset="0"/>
+                  </a:rPr>
+                  <a:t> </a:t>
+                </a:r>
+                <a14:m>
+                  <m:oMath xmlns:m="http://schemas.openxmlformats.org/officeDocument/2006/math">
+                    <m:r>
+                      <a:rPr lang="tr-TR" i="1">
+                        <a:latin typeface="Cambria Math" panose="02040503050406030204" pitchFamily="18" charset="0"/>
+                        <a:ea typeface="Cambria Math" panose="02040503050406030204" pitchFamily="18" charset="0"/>
+                      </a:rPr>
+                      <m:t>µ</m:t>
+                    </m:r>
+                    <m:r>
+                      <a:rPr lang="tr-TR" i="1">
+                        <a:latin typeface="Cambria Math" panose="02040503050406030204" pitchFamily="18" charset="0"/>
+                        <a:ea typeface="Cambria Math" panose="02040503050406030204" pitchFamily="18" charset="0"/>
+                      </a:rPr>
+                      <m:t>𝐻</m:t>
+                    </m:r>
+                  </m:oMath>
+                </a14:m>
+                <a:r>
+                  <a:rPr lang="tr-TR" dirty="0">
+                    <a:latin typeface="Cambria Math" panose="02040503050406030204" pitchFamily="18" charset="0"/>
+                    <a:ea typeface="Cambria Math" panose="02040503050406030204" pitchFamily="18" charset="0"/>
+                  </a:rPr>
+                  <a:t> /2)=12.3 </a:t>
+                </a:r>
+                <a14:m>
+                  <m:oMath xmlns:m="http://schemas.openxmlformats.org/officeDocument/2006/math">
+                    <m:r>
+                      <a:rPr lang="tr-TR" i="1">
+                        <a:latin typeface="Cambria Math" panose="02040503050406030204" pitchFamily="18" charset="0"/>
+                        <a:ea typeface="Cambria Math" panose="02040503050406030204" pitchFamily="18" charset="0"/>
+                      </a:rPr>
+                      <m:t>µ</m:t>
+                    </m:r>
+                    <m:r>
+                      <a:rPr lang="tr-TR" i="1">
+                        <a:latin typeface="Cambria Math" panose="02040503050406030204" pitchFamily="18" charset="0"/>
+                        <a:ea typeface="Cambria Math" panose="02040503050406030204" pitchFamily="18" charset="0"/>
+                      </a:rPr>
+                      <m:t>𝐻</m:t>
+                    </m:r>
+                  </m:oMath>
+                </a14:m>
+                <a:r>
+                  <a:rPr lang="tr-TR" dirty="0">
+                    <a:latin typeface="Cambria Math" panose="02040503050406030204" pitchFamily="18" charset="0"/>
+                    <a:ea typeface="Cambria Math" panose="02040503050406030204" pitchFamily="18" charset="0"/>
+                  </a:rPr>
+                  <a:t> </a:t>
+                </a:r>
+              </a:p>
+            </p:txBody>
+          </p:sp>
+        </mc:Choice>
+        <mc:Fallback>
+          <p:sp>
+            <p:nvSpPr>
+              <p:cNvPr id="3" name="İçerik Yer Tutucusu 2">
+                <a:extLst>
+                  <a:ext uri="{FF2B5EF4-FFF2-40B4-BE49-F238E27FC236}">
+                    <a16:creationId xmlns:a16="http://schemas.microsoft.com/office/drawing/2014/main" id="{59C386E7-AA81-4125-8B3B-911943D182F8}"/>
+                  </a:ext>
+                </a:extLst>
+              </p:cNvPr>
+              <p:cNvSpPr>
+                <a:spLocks noGrp="1" noRot="1" noChangeAspect="1" noMove="1" noResize="1" noEditPoints="1" noAdjustHandles="1" noChangeArrowheads="1" noChangeShapeType="1" noTextEdit="1"/>
+              </p:cNvSpPr>
+              <p:nvPr>
+                <p:ph idx="1"/>
+              </p:nvPr>
+            </p:nvSpPr>
+            <p:spPr>
+              <a:xfrm>
+                <a:off x="1066800" y="1728502"/>
+                <a:ext cx="10058400" cy="4908042"/>
+              </a:xfrm>
+              <a:blipFill>
+                <a:blip r:embed="rId2"/>
+                <a:stretch>
+                  <a:fillRect l="-242" t="-1366"/>
+                </a:stretch>
+              </a:blipFill>
+            </p:spPr>
+            <p:txBody>
+              <a:bodyPr/>
+              <a:lstStyle/>
+              <a:p>
+                <a:r>
+                  <a:rPr lang="tr-TR">
+                    <a:noFill/>
+                  </a:rPr>
+                  <a:t> </a:t>
+                </a:r>
+              </a:p>
+            </p:txBody>
+          </p:sp>
+        </mc:Fallback>
+      </mc:AlternateContent>
+      <p:pic>
+        <p:nvPicPr>
+          <p:cNvPr id="4" name="Resim 3">
+            <a:extLst>
+              <a:ext uri="{FF2B5EF4-FFF2-40B4-BE49-F238E27FC236}">
+                <a16:creationId xmlns:a16="http://schemas.microsoft.com/office/drawing/2014/main" id="{516E2D6F-2ECD-471A-9744-7E14BFF9AE69}"/>
+              </a:ext>
+            </a:extLst>
+          </p:cNvPr>
+          <p:cNvPicPr>
+            <a:picLocks noChangeAspect="1"/>
+          </p:cNvPicPr>
+          <p:nvPr/>
+        </p:nvPicPr>
+        <p:blipFill rotWithShape="1">
+          <a:blip r:embed="rId3"/>
+          <a:srcRect l="20391" t="4896" r="31680" b="24687"/>
+          <a:stretch/>
+        </p:blipFill>
+        <p:spPr>
+          <a:xfrm>
+            <a:off x="1300163" y="2497977"/>
+            <a:ext cx="3714750" cy="3069891"/>
+          </a:xfrm>
+          <a:prstGeom prst="rect">
+            <a:avLst/>
+          </a:prstGeom>
+        </p:spPr>
+      </p:pic>
+      <p:pic>
+        <p:nvPicPr>
+          <p:cNvPr id="5" name="Resim 4">
+            <a:extLst>
+              <a:ext uri="{FF2B5EF4-FFF2-40B4-BE49-F238E27FC236}">
+                <a16:creationId xmlns:a16="http://schemas.microsoft.com/office/drawing/2014/main" id="{751FEF39-384A-4373-B968-C3E78127C664}"/>
+              </a:ext>
+            </a:extLst>
+          </p:cNvPr>
+          <p:cNvPicPr>
+            <a:picLocks noChangeAspect="1"/>
+          </p:cNvPicPr>
+          <p:nvPr/>
+        </p:nvPicPr>
+        <p:blipFill rotWithShape="1">
+          <a:blip r:embed="rId4"/>
+          <a:srcRect l="7717" t="15312" r="1358" b="47917"/>
+          <a:stretch/>
+        </p:blipFill>
+        <p:spPr>
+          <a:xfrm>
+            <a:off x="6529386" y="2501715"/>
+            <a:ext cx="4264820" cy="3066153"/>
+          </a:xfrm>
+          <a:prstGeom prst="rect">
+            <a:avLst/>
+          </a:prstGeom>
+        </p:spPr>
+      </p:pic>
+    </p:spTree>
+    <p:extLst>
+      <p:ext uri="{BB962C8B-B14F-4D97-AF65-F5344CB8AC3E}">
+        <p14:creationId xmlns:p14="http://schemas.microsoft.com/office/powerpoint/2010/main" val="2019022595"/>
+      </p:ext>
+    </p:extLst>
+  </p:cSld>
+  <p:clrMapOvr>
+    <a:masterClrMapping/>
+  </p:clrMapOvr>
+</p:sld>
+</file>
+
 <file path=ppt/slides/slide2.xml><?xml version="1.0" encoding="utf-8"?>
 <p:sld xmlns:a="http://schemas.openxmlformats.org/drawingml/2006/main" xmlns:r="http://schemas.openxmlformats.org/officeDocument/2006/relationships" xmlns:p="http://schemas.openxmlformats.org/presentationml/2006/main">
   <p:cSld>
@@ -4824,8 +5247,8 @@
           </a:p>
         </p:txBody>
       </p:sp>
-      <mc:AlternateContent xmlns:mc="http://schemas.openxmlformats.org/markup-compatibility/2006">
-        <mc:Choice xmlns:a14="http://schemas.microsoft.com/office/drawing/2010/main" Requires="a14">
+      <mc:AlternateContent xmlns:mc="http://schemas.openxmlformats.org/markup-compatibility/2006" xmlns:a14="http://schemas.microsoft.com/office/drawing/2010/main">
+        <mc:Choice Requires="a14">
           <p:sp>
             <p:nvSpPr>
               <p:cNvPr id="3" name="İçerik Yer Tutucusu 2">
@@ -4999,13 +5422,13 @@
                     </m:sSub>
                   </m:oMath>
                 </a14:m>
-                <a:endParaRPr lang="tr-TR" b="0">
+                <a:endParaRPr lang="tr-TR" b="0" dirty="0">
                   <a:ea typeface="Cambria Math" panose="02040503050406030204" pitchFamily="18" charset="0"/>
                 </a:endParaRPr>
               </a:p>
               <a:p>
                 <a:pPr lvl="1"/>
-                <a:endParaRPr lang="tr-TR" i="1">
+                <a:endParaRPr lang="tr-TR" i="1" dirty="0">
                   <a:latin typeface="Cambria Math" panose="02040503050406030204" pitchFamily="18" charset="0"/>
                   <a:ea typeface="Cambria Math" panose="02040503050406030204" pitchFamily="18" charset="0"/>
                 </a:endParaRPr>
@@ -5443,13 +5866,13 @@
                     </m:r>
                   </m:oMath>
                 </a14:m>
-                <a:endParaRPr lang="tr-TR">
+                <a:endParaRPr lang="tr-TR" dirty="0">
                   <a:ea typeface="Cambria Math" panose="02040503050406030204" pitchFamily="18" charset="0"/>
                 </a:endParaRPr>
               </a:p>
               <a:p>
                 <a:pPr lvl="1"/>
-                <a:endParaRPr lang="tr-TR" i="1">
+                <a:endParaRPr lang="tr-TR" i="1" dirty="0">
                   <a:latin typeface="Cambria Math" panose="02040503050406030204" pitchFamily="18" charset="0"/>
                   <a:ea typeface="Cambria Math" panose="02040503050406030204" pitchFamily="18" charset="0"/>
                 </a:endParaRPr>
@@ -5789,13 +6212,13 @@
                     </m:f>
                   </m:oMath>
                 </a14:m>
-                <a:endParaRPr lang="tr-TR">
+                <a:endParaRPr lang="tr-TR" dirty="0">
                   <a:ea typeface="Cambria Math" panose="02040503050406030204" pitchFamily="18" charset="0"/>
                 </a:endParaRPr>
               </a:p>
               <a:p>
                 <a:pPr lvl="1"/>
-                <a:endParaRPr lang="tr-TR" i="1">
+                <a:endParaRPr lang="tr-TR" i="1" dirty="0">
                   <a:latin typeface="Cambria Math" panose="02040503050406030204" pitchFamily="18" charset="0"/>
                   <a:ea typeface="Cambria Math" panose="02040503050406030204" pitchFamily="18" charset="0"/>
                 </a:endParaRPr>
@@ -6051,12 +6474,12 @@
                     </m:r>
                   </m:oMath>
                 </a14:m>
-                <a:endParaRPr lang="tr-TR"/>
+                <a:endParaRPr lang="tr-TR" dirty="0"/>
               </a:p>
             </p:txBody>
           </p:sp>
         </mc:Choice>
-        <mc:Fallback>
+        <mc:Fallback xmlns="">
           <p:sp>
             <p:nvSpPr>
               <p:cNvPr id="3" name="İçerik Yer Tutucusu 2">
@@ -6159,12 +6582,8 @@
               <a:lstStyle/>
               <a:p>
                 <a:r>
-                  <a:rPr lang="tr-TR" dirty="0" err="1"/>
-                  <a:t>Chosen</a:t>
-                </a:r>
-                <a:r>
                   <a:rPr lang="tr-TR" dirty="0"/>
-                  <a:t> </a:t>
+                  <a:t>Chosen </a:t>
                 </a:r>
                 <a:r>
                   <a:rPr lang="tr-TR" dirty="0" err="1"/>
@@ -6199,55 +6618,36 @@
               <a:p>
                 <a14:m>
                   <m:oMath xmlns:m="http://schemas.openxmlformats.org/officeDocument/2006/math">
-                    <m:f>
-                      <m:fPr>
+                    <m:sSub>
+                      <m:sSubPr>
                         <m:ctrlPr>
                           <a:rPr lang="tr-TR" i="1">
                             <a:latin typeface="Cambria Math" panose="02040503050406030204" pitchFamily="18" charset="0"/>
                           </a:rPr>
                         </m:ctrlPr>
-                      </m:fPr>
-                      <m:num>
-                        <m:sSub>
-                          <m:sSubPr>
-                            <m:ctrlPr>
-                              <a:rPr lang="tr-TR" i="1">
-                                <a:latin typeface="Cambria Math" panose="02040503050406030204" pitchFamily="18" charset="0"/>
-                              </a:rPr>
-                            </m:ctrlPr>
-                          </m:sSubPr>
-                          <m:e>
-                            <m:r>
-                              <a:rPr lang="tr-TR" i="1">
-                                <a:latin typeface="Cambria Math" panose="02040503050406030204" pitchFamily="18" charset="0"/>
-                              </a:rPr>
-                              <m:t>𝐴</m:t>
-                            </m:r>
-                          </m:e>
-                          <m:sub>
-                            <m:r>
-                              <a:rPr lang="tr-TR" i="1">
-                                <a:latin typeface="Cambria Math" panose="02040503050406030204" pitchFamily="18" charset="0"/>
-                              </a:rPr>
-                              <m:t>𝐿</m:t>
-                            </m:r>
-                          </m:sub>
-                        </m:sSub>
-                      </m:num>
-                      <m:den>
+                      </m:sSubPr>
+                      <m:e>
                         <m:r>
                           <a:rPr lang="tr-TR" i="1">
                             <a:latin typeface="Cambria Math" panose="02040503050406030204" pitchFamily="18" charset="0"/>
                           </a:rPr>
-                          <m:t>2</m:t>
+                          <m:t>𝐴</m:t>
                         </m:r>
-                      </m:den>
-                    </m:f>
+                      </m:e>
+                      <m:sub>
+                        <m:r>
+                          <a:rPr lang="tr-TR" i="1">
+                            <a:latin typeface="Cambria Math" panose="02040503050406030204" pitchFamily="18" charset="0"/>
+                          </a:rPr>
+                          <m:t>𝐿</m:t>
+                        </m:r>
+                      </m:sub>
+                    </m:sSub>
                     <m:r>
                       <a:rPr lang="tr-TR" i="1">
                         <a:latin typeface="Cambria Math" panose="02040503050406030204" pitchFamily="18" charset="0"/>
                       </a:rPr>
-                      <m:t>∗</m:t>
+                      <m:t> ∗</m:t>
                     </m:r>
                     <m:sSubSup>
                       <m:sSubSupPr>
@@ -6327,42 +6727,23 @@
               <a:p>
                 <a14:m>
                   <m:oMath xmlns:m="http://schemas.openxmlformats.org/officeDocument/2006/math">
-                    <m:f>
-                      <m:fPr>
-                        <m:ctrlPr>
-                          <a:rPr lang="tr-TR" i="1">
-                            <a:latin typeface="Cambria Math" panose="02040503050406030204" pitchFamily="18" charset="0"/>
-                          </a:rPr>
-                        </m:ctrlPr>
-                      </m:fPr>
-                      <m:num>
-                        <m:r>
-                          <a:rPr lang="tr-TR" i="1">
-                            <a:latin typeface="Cambria Math" panose="02040503050406030204" pitchFamily="18" charset="0"/>
-                          </a:rPr>
-                          <m:t>281</m:t>
-                        </m:r>
-                        <m:r>
-                          <a:rPr lang="tr-TR" i="1">
-                            <a:latin typeface="Cambria Math" panose="02040503050406030204" pitchFamily="18" charset="0"/>
-                          </a:rPr>
-                          <m:t>𝑛𝐻</m:t>
-                        </m:r>
-                      </m:num>
-                      <m:den>
-                        <m:r>
-                          <a:rPr lang="tr-TR" i="1">
-                            <a:latin typeface="Cambria Math" panose="02040503050406030204" pitchFamily="18" charset="0"/>
-                          </a:rPr>
-                          <m:t>2</m:t>
-                        </m:r>
-                      </m:den>
-                    </m:f>
                     <m:r>
                       <a:rPr lang="tr-TR" i="1">
                         <a:latin typeface="Cambria Math" panose="02040503050406030204" pitchFamily="18" charset="0"/>
                       </a:rPr>
-                      <m:t>∗</m:t>
+                      <m:t>281</m:t>
+                    </m:r>
+                    <m:r>
+                      <a:rPr lang="tr-TR" i="1">
+                        <a:latin typeface="Cambria Math" panose="02040503050406030204" pitchFamily="18" charset="0"/>
+                      </a:rPr>
+                      <m:t>𝑛𝐻</m:t>
+                    </m:r>
+                    <m:r>
+                      <a:rPr lang="tr-TR" i="1">
+                        <a:latin typeface="Cambria Math" panose="02040503050406030204" pitchFamily="18" charset="0"/>
+                      </a:rPr>
+                      <m:t> ∗</m:t>
                     </m:r>
                     <m:sSubSup>
                       <m:sSubSupPr>
@@ -6401,66 +6782,41 @@
                       <a:rPr lang="tr-TR" i="1">
                         <a:latin typeface="Cambria Math" panose="02040503050406030204" pitchFamily="18" charset="0"/>
                       </a:rPr>
-                      <m:t>=</m:t>
+                      <m:t>=6.68 </m:t>
                     </m:r>
                     <m:r>
                       <a:rPr lang="tr-TR" i="1">
                         <a:latin typeface="Cambria Math" panose="02040503050406030204" pitchFamily="18" charset="0"/>
-                      </a:rPr>
-                      <m:t>6.68 </m:t>
+                        <a:ea typeface="Cambria Math" panose="02040503050406030204" pitchFamily="18" charset="0"/>
+                      </a:rPr>
+                      <m:t>µ</m:t>
                     </m:r>
                     <m:r>
                       <a:rPr lang="tr-TR" i="1">
                         <a:latin typeface="Cambria Math" panose="02040503050406030204" pitchFamily="18" charset="0"/>
                         <a:ea typeface="Cambria Math" panose="02040503050406030204" pitchFamily="18" charset="0"/>
                       </a:rPr>
-                      <m:t>µ</m:t>
+                      <m:t>𝐻</m:t>
+                    </m:r>
+                    <m:r>
+                      <a:rPr lang="tr-TR" b="0" i="1" smtClean="0">
+                        <a:latin typeface="Cambria Math" panose="02040503050406030204" pitchFamily="18" charset="0"/>
+                        <a:ea typeface="Cambria Math" panose="02040503050406030204" pitchFamily="18" charset="0"/>
+                      </a:rPr>
+                      <m:t>                            </m:t>
                     </m:r>
                     <m:r>
                       <a:rPr lang="tr-TR" i="1">
                         <a:latin typeface="Cambria Math" panose="02040503050406030204" pitchFamily="18" charset="0"/>
-                        <a:ea typeface="Cambria Math" panose="02040503050406030204" pitchFamily="18" charset="0"/>
-                      </a:rPr>
-                      <m:t>𝐻</m:t>
+                      </a:rPr>
+                      <m:t>281</m:t>
                     </m:r>
                     <m:r>
                       <a:rPr lang="tr-TR" i="1">
                         <a:latin typeface="Cambria Math" panose="02040503050406030204" pitchFamily="18" charset="0"/>
-                        <a:ea typeface="Cambria Math" panose="02040503050406030204" pitchFamily="18" charset="0"/>
-                      </a:rPr>
-                      <m:t>                        </m:t>
-                    </m:r>
-                    <m:f>
-                      <m:fPr>
-                        <m:ctrlPr>
-                          <a:rPr lang="tr-TR" i="1">
-                            <a:latin typeface="Cambria Math" panose="02040503050406030204" pitchFamily="18" charset="0"/>
-                          </a:rPr>
-                        </m:ctrlPr>
-                      </m:fPr>
-                      <m:num>
-                        <m:r>
-                          <a:rPr lang="tr-TR" i="1">
-                            <a:latin typeface="Cambria Math" panose="02040503050406030204" pitchFamily="18" charset="0"/>
-                          </a:rPr>
-                          <m:t>281</m:t>
-                        </m:r>
-                        <m:r>
-                          <a:rPr lang="tr-TR" i="1">
-                            <a:latin typeface="Cambria Math" panose="02040503050406030204" pitchFamily="18" charset="0"/>
-                          </a:rPr>
-                          <m:t>𝑛𝐻</m:t>
-                        </m:r>
-                      </m:num>
-                      <m:den>
-                        <m:r>
-                          <a:rPr lang="tr-TR" i="1">
-                            <a:latin typeface="Cambria Math" panose="02040503050406030204" pitchFamily="18" charset="0"/>
-                          </a:rPr>
-                          <m:t>2</m:t>
-                        </m:r>
-                      </m:den>
-                    </m:f>
+                      </a:rPr>
+                      <m:t>𝑛𝐻</m:t>
+                    </m:r>
                     <m:r>
                       <a:rPr lang="tr-TR" i="1">
                         <a:latin typeface="Cambria Math" panose="02040503050406030204" pitchFamily="18" charset="0"/>
@@ -6504,19 +6860,7 @@
                       <a:rPr lang="tr-TR" i="1">
                         <a:latin typeface="Cambria Math" panose="02040503050406030204" pitchFamily="18" charset="0"/>
                       </a:rPr>
-                      <m:t>=</m:t>
-                    </m:r>
-                    <m:r>
-                      <a:rPr lang="tr-TR" i="1">
-                        <a:latin typeface="Cambria Math" panose="02040503050406030204" pitchFamily="18" charset="0"/>
-                      </a:rPr>
-                      <m:t>9.13</m:t>
-                    </m:r>
-                    <m:r>
-                      <a:rPr lang="tr-TR" i="1">
-                        <a:latin typeface="Cambria Math" panose="02040503050406030204" pitchFamily="18" charset="0"/>
-                      </a:rPr>
-                      <m:t> </m:t>
+                      <m:t>=9.13 </m:t>
                     </m:r>
                     <m:r>
                       <a:rPr lang="tr-TR" i="1">
@@ -6587,7 +6931,19 @@
                       <a:rPr lang="tr-TR" i="1">
                         <a:latin typeface="Cambria Math" panose="02040503050406030204" pitchFamily="18" charset="0"/>
                       </a:rPr>
-                      <m:t>=7 </m:t>
+                      <m:t>=</m:t>
+                    </m:r>
+                    <m:r>
+                      <a:rPr lang="tr-TR" b="0" i="1" smtClean="0">
+                        <a:latin typeface="Cambria Math" panose="02040503050406030204" pitchFamily="18" charset="0"/>
+                      </a:rPr>
+                      <m:t>5</m:t>
+                    </m:r>
+                    <m:r>
+                      <a:rPr lang="tr-TR" i="1">
+                        <a:latin typeface="Cambria Math" panose="02040503050406030204" pitchFamily="18" charset="0"/>
+                      </a:rPr>
+                      <m:t> </m:t>
                     </m:r>
                     <m:r>
                       <a:rPr lang="tr-TR" i="1">
@@ -6599,7 +6955,17 @@
                 </a14:m>
                 <a:r>
                   <a:rPr lang="tr-TR" dirty="0"/>
-                  <a:t>                                     </a:t>
+                  <a:t> </a:t>
+                </a:r>
+                <a:r>
+                  <a:rPr lang="tr-TR" dirty="0">
+                    <a:sym typeface="Wingdings" panose="05000000000000000000" pitchFamily="2" charset="2"/>
+                  </a:rPr>
+                  <a:t></a:t>
+                </a:r>
+                <a:r>
+                  <a:rPr lang="tr-TR" dirty="0"/>
+                  <a:t> </a:t>
                 </a:r>
                 <a14:m>
                   <m:oMath xmlns:m="http://schemas.openxmlformats.org/officeDocument/2006/math">
@@ -6616,6 +6982,79 @@
                           <a:rPr lang="tr-TR" i="1">
                             <a:latin typeface="Cambria Math" panose="02040503050406030204" pitchFamily="18" charset="0"/>
                           </a:rPr>
+                          <m:t>𝐿</m:t>
+                        </m:r>
+                      </m:e>
+                      <m:sub>
+                        <m:r>
+                          <a:rPr lang="tr-TR" i="1">
+                            <a:latin typeface="Cambria Math" panose="02040503050406030204" pitchFamily="18" charset="0"/>
+                          </a:rPr>
+                          <m:t>𝑀</m:t>
+                        </m:r>
+                      </m:sub>
+                    </m:sSub>
+                  </m:oMath>
+                </a14:m>
+                <a:r>
+                  <a:rPr lang="tr-TR" dirty="0"/>
+                  <a:t> </a:t>
+                </a:r>
+                <a14:m>
+                  <m:oMath xmlns:m="http://schemas.openxmlformats.org/officeDocument/2006/math">
+                    <m:r>
+                      <a:rPr lang="tr-TR" i="1">
+                        <a:latin typeface="Cambria Math" panose="02040503050406030204" pitchFamily="18" charset="0"/>
+                      </a:rPr>
+                      <m:t>=</m:t>
+                    </m:r>
+                    <m:r>
+                      <a:rPr lang="tr-TR" b="0" i="1" smtClean="0">
+                        <a:latin typeface="Cambria Math" panose="02040503050406030204" pitchFamily="18" charset="0"/>
+                      </a:rPr>
+                      <m:t>7</m:t>
+                    </m:r>
+                    <m:r>
+                      <a:rPr lang="tr-TR" i="1">
+                        <a:latin typeface="Cambria Math" panose="02040503050406030204" pitchFamily="18" charset="0"/>
+                      </a:rPr>
+                      <m:t> </m:t>
+                    </m:r>
+                    <m:r>
+                      <a:rPr lang="tr-TR" i="1">
+                        <a:latin typeface="Cambria Math" panose="02040503050406030204" pitchFamily="18" charset="0"/>
+                        <a:ea typeface="Cambria Math" panose="02040503050406030204" pitchFamily="18" charset="0"/>
+                      </a:rPr>
+                      <m:t>µ</m:t>
+                    </m:r>
+                    <m:r>
+                      <a:rPr lang="tr-TR" i="1">
+                        <a:latin typeface="Cambria Math" panose="02040503050406030204" pitchFamily="18" charset="0"/>
+                        <a:ea typeface="Cambria Math" panose="02040503050406030204" pitchFamily="18" charset="0"/>
+                      </a:rPr>
+                      <m:t>𝐻</m:t>
+                    </m:r>
+                  </m:oMath>
+                </a14:m>
+                <a:r>
+                  <a:rPr lang="tr-TR" dirty="0"/>
+                  <a:t>                  </a:t>
+                </a:r>
+                <a14:m>
+                  <m:oMath xmlns:m="http://schemas.openxmlformats.org/officeDocument/2006/math">
+                    <m:sSub>
+                      <m:sSubPr>
+                        <m:ctrlPr>
+                          <a:rPr lang="tr-TR" i="1">
+                            <a:latin typeface="Cambria Math" panose="02040503050406030204" pitchFamily="18" charset="0"/>
+                          </a:rPr>
+                        </m:ctrlPr>
+                      </m:sSubPr>
+                      <m:e>
+                        <m:r>
+                          <a:rPr lang="tr-TR" i="1">
+                            <a:latin typeface="Cambria Math" panose="02040503050406030204" pitchFamily="18" charset="0"/>
+                          </a:rPr>
                           <m:t>𝑁</m:t>
                         </m:r>
                       </m:e>
@@ -6635,22 +7074,111 @@
                       <m:t>=</m:t>
                     </m:r>
                     <m:r>
+                      <a:rPr lang="tr-TR" b="0" i="1" smtClean="0">
+                        <a:latin typeface="Cambria Math" panose="02040503050406030204" pitchFamily="18" charset="0"/>
+                      </a:rPr>
+                      <m:t>6</m:t>
+                    </m:r>
+                    <m:r>
                       <a:rPr lang="tr-TR" i="1">
                         <a:latin typeface="Cambria Math" panose="02040503050406030204" pitchFamily="18" charset="0"/>
                       </a:rPr>
-                      <m:t>8</m:t>
+                      <m:t> </m:t>
                     </m:r>
                     <m:r>
                       <a:rPr lang="tr-TR" i="1">
                         <a:latin typeface="Cambria Math" panose="02040503050406030204" pitchFamily="18" charset="0"/>
                       </a:rPr>
+                      <m:t>𝑡𝑢𝑟𝑛𝑠</m:t>
+                    </m:r>
+                    <m:r>
+                      <m:rPr>
+                        <m:nor/>
+                      </m:rPr>
+                      <a:rPr lang="tr-TR" b="0" i="0" smtClean="0">
+                        <a:latin typeface="Cambria Math" panose="02040503050406030204" pitchFamily="18" charset="0"/>
+                      </a:rPr>
                       <m:t> </m:t>
                     </m:r>
                     <m:r>
+                      <m:rPr>
+                        <m:nor/>
+                      </m:rPr>
+                      <a:rPr lang="tr-TR" dirty="0">
+                        <a:sym typeface="Wingdings" panose="05000000000000000000" pitchFamily="2" charset="2"/>
+                      </a:rPr>
+                      <m:t></m:t>
+                    </m:r>
+                    <m:r>
+                      <m:rPr>
+                        <m:nor/>
+                      </m:rPr>
+                      <a:rPr lang="tr-TR" dirty="0"/>
+                      <m:t> </m:t>
+                    </m:r>
+                    <m:sSub>
+                      <m:sSubPr>
+                        <m:ctrlPr>
+                          <a:rPr lang="tr-TR" i="1">
+                            <a:latin typeface="Cambria Math" panose="02040503050406030204" pitchFamily="18" charset="0"/>
+                          </a:rPr>
+                        </m:ctrlPr>
+                      </m:sSubPr>
+                      <m:e>
+                        <m:r>
+                          <a:rPr lang="tr-TR" i="1">
+                            <a:latin typeface="Cambria Math" panose="02040503050406030204" pitchFamily="18" charset="0"/>
+                          </a:rPr>
+                          <m:t>𝐿</m:t>
+                        </m:r>
+                      </m:e>
+                      <m:sub>
+                        <m:r>
+                          <a:rPr lang="tr-TR" i="1">
+                            <a:latin typeface="Cambria Math" panose="02040503050406030204" pitchFamily="18" charset="0"/>
+                          </a:rPr>
+                          <m:t>𝑀</m:t>
+                        </m:r>
+                      </m:sub>
+                    </m:sSub>
+                    <m:r>
+                      <m:rPr>
+                        <m:nor/>
+                      </m:rPr>
+                      <a:rPr lang="tr-TR" dirty="0"/>
+                      <m:t> </m:t>
+                    </m:r>
+                    <m:r>
                       <a:rPr lang="tr-TR" i="1">
                         <a:latin typeface="Cambria Math" panose="02040503050406030204" pitchFamily="18" charset="0"/>
                       </a:rPr>
-                      <m:t>𝑡𝑢𝑟𝑛𝑠</m:t>
+                      <m:t>=</m:t>
+                    </m:r>
+                    <m:r>
+                      <a:rPr lang="tr-TR" b="0" i="1" smtClean="0">
+                        <a:latin typeface="Cambria Math" panose="02040503050406030204" pitchFamily="18" charset="0"/>
+                      </a:rPr>
+                      <m:t>10.11</m:t>
+                    </m:r>
+                    <m:r>
+                      <a:rPr lang="tr-TR" i="1">
+                        <a:latin typeface="Cambria Math" panose="02040503050406030204" pitchFamily="18" charset="0"/>
+                      </a:rPr>
+                      <m:t> </m:t>
+                    </m:r>
+                    <m:r>
+                      <a:rPr lang="tr-TR" i="1">
+                        <a:latin typeface="Cambria Math" panose="02040503050406030204" pitchFamily="18" charset="0"/>
+                        <a:ea typeface="Cambria Math" panose="02040503050406030204" pitchFamily="18" charset="0"/>
+                      </a:rPr>
+                      <m:t>µ</m:t>
+                    </m:r>
+                    <m:r>
+                      <a:rPr lang="tr-TR" i="1">
+                        <a:latin typeface="Cambria Math" panose="02040503050406030204" pitchFamily="18" charset="0"/>
+                        <a:ea typeface="Cambria Math" panose="02040503050406030204" pitchFamily="18" charset="0"/>
+                      </a:rPr>
+                      <m:t>𝐻</m:t>
                     </m:r>
                   </m:oMath>
                 </a14:m>
@@ -7661,14 +8189,14 @@
                           <m:t>∗</m:t>
                         </m:r>
                         <m:r>
-                          <a:rPr lang="tr-TR" b="0" i="1">
+                          <a:rPr lang="tr-TR" b="0" i="1" smtClean="0">
                             <a:solidFill>
                               <a:srgbClr val="FFFFFF"/>
                             </a:solidFill>
                             <a:latin typeface="Cambria Math" panose="02040503050406030204" pitchFamily="18" charset="0"/>
                             <a:ea typeface="Cambria Math" panose="02040503050406030204" pitchFamily="18" charset="0"/>
                           </a:rPr>
-                          <m:t>8</m:t>
+                          <m:t>6</m:t>
                         </m:r>
                         <m:r>
                           <a:rPr lang="tr-TR" b="0" i="1">
@@ -7727,7 +8255,7 @@
                     <a:latin typeface="Cambria Math" panose="02040503050406030204" pitchFamily="18" charset="0"/>
                     <a:ea typeface="Cambria Math" panose="02040503050406030204" pitchFamily="18" charset="0"/>
                   </a:rPr>
-                  <a:t>0.768W</a:t>
+                  <a:t>67.9mW</a:t>
                 </a:r>
               </a:p>
               <a:p>
@@ -7740,7 +8268,6 @@
                 </a:endParaRPr>
               </a:p>
               <a:p>
-                <a:pPr/>
                 <a14:m>
                   <m:oMath xmlns:m="http://schemas.openxmlformats.org/officeDocument/2006/math">
                     <m:sSub>
@@ -7953,13 +8480,13 @@
                         </m:fPr>
                         <m:num>
                           <m:r>
-                            <a:rPr lang="tr-TR" i="1">
+                            <a:rPr lang="tr-TR" b="0" i="1" smtClean="0">
                               <a:solidFill>
                                 <a:srgbClr val="FFFFFF"/>
                               </a:solidFill>
                               <a:latin typeface="Cambria Math" panose="02040503050406030204" pitchFamily="18" charset="0"/>
                             </a:rPr>
-                            <m:t>8</m:t>
+                            <m:t>6</m:t>
                           </m:r>
                           <m:r>
                             <a:rPr lang="en-GB" i="1">
@@ -8102,6 +8629,15 @@
                               </m:r>
                             </m:e>
                           </m:d>
+                          <m:r>
+                            <a:rPr lang="tr-TR" b="0" i="1" smtClean="0">
+                              <a:solidFill>
+                                <a:srgbClr val="FFFFFF"/>
+                              </a:solidFill>
+                              <a:latin typeface="Cambria Math" panose="02040503050406030204" pitchFamily="18" charset="0"/>
+                            </a:rPr>
+                            <m:t>∗2</m:t>
+                          </m:r>
                         </m:den>
                       </m:f>
                       <m:r>
@@ -8114,13 +8650,22 @@
                         <m:t>∗100=</m:t>
                       </m:r>
                       <m:r>
+                        <a:rPr lang="tr-TR" b="0" i="1" smtClean="0">
+                          <a:solidFill>
+                            <a:srgbClr val="FFFFFF"/>
+                          </a:solidFill>
+                          <a:latin typeface="Cambria Math" panose="02040503050406030204" pitchFamily="18" charset="0"/>
+                        </a:rPr>
+                        <m:t>1</m:t>
+                      </m:r>
+                      <m:r>
                         <a:rPr lang="tr-TR" i="1">
                           <a:solidFill>
                             <a:srgbClr val="FFFFFF"/>
                           </a:solidFill>
                           <a:latin typeface="Cambria Math" panose="02040503050406030204" pitchFamily="18" charset="0"/>
                         </a:rPr>
-                        <m:t>4.</m:t>
+                        <m:t>.</m:t>
                       </m:r>
                       <m:r>
                         <a:rPr lang="en-GB" i="1">
@@ -8735,7 +9280,6 @@
                 </a:endParaRPr>
               </a:p>
               <a:p>
-                <a:pPr/>
                 <a14:m>
                   <m:oMath xmlns:m="http://schemas.openxmlformats.org/officeDocument/2006/math">
                     <m:r>
@@ -8828,43 +9372,42 @@
                 </a:endParaRPr>
               </a:p>
               <a:p>
-                <a:pPr/>
+                <a:r>
+                  <a:rPr lang="tr-TR" b="1" dirty="0">
+                    <a:latin typeface="Cambria Math" panose="02040503050406030204" pitchFamily="18" charset="0"/>
+                    <a:ea typeface="Cambria Math" panose="02040503050406030204" pitchFamily="18" charset="0"/>
+                  </a:rPr>
+                  <a:t>6</a:t>
+                </a:r>
                 <a14:m>
                   <m:oMath xmlns:m="http://schemas.openxmlformats.org/officeDocument/2006/math">
                     <m:r>
-                      <a:rPr lang="tr-TR" b="1" i="1">
+                      <a:rPr lang="en-GB" b="1" i="1">
                         <a:latin typeface="Cambria Math" panose="02040503050406030204" pitchFamily="18" charset="0"/>
                         <a:ea typeface="Cambria Math" panose="02040503050406030204" pitchFamily="18" charset="0"/>
                       </a:rPr>
-                      <m:t>𝟖</m:t>
-                    </m:r>
-                    <m:r>
-                      <a:rPr lang="en-GB" b="1" i="1">
+                      <m:t>∗</m:t>
+                    </m:r>
+                    <m:r>
+                      <a:rPr lang="tr-TR" b="1" i="1" smtClean="0">
                         <a:latin typeface="Cambria Math" panose="02040503050406030204" pitchFamily="18" charset="0"/>
                         <a:ea typeface="Cambria Math" panose="02040503050406030204" pitchFamily="18" charset="0"/>
                       </a:rPr>
-                      <m:t>∗</m:t>
+                      <m:t>𝟏𝟒</m:t>
                     </m:r>
                     <m:r>
                       <a:rPr lang="tr-TR" b="1" i="1" smtClean="0">
                         <a:latin typeface="Cambria Math" panose="02040503050406030204" pitchFamily="18" charset="0"/>
                         <a:ea typeface="Cambria Math" panose="02040503050406030204" pitchFamily="18" charset="0"/>
                       </a:rPr>
-                      <m:t>𝟏𝟔</m:t>
+                      <m:t>.</m:t>
                     </m:r>
                     <m:r>
                       <a:rPr lang="tr-TR" b="1" i="1" smtClean="0">
                         <a:latin typeface="Cambria Math" panose="02040503050406030204" pitchFamily="18" charset="0"/>
                         <a:ea typeface="Cambria Math" panose="02040503050406030204" pitchFamily="18" charset="0"/>
                       </a:rPr>
-                      <m:t>.</m:t>
-                    </m:r>
-                    <m:r>
-                      <a:rPr lang="tr-TR" b="1" i="1" smtClean="0">
-                        <a:latin typeface="Cambria Math" panose="02040503050406030204" pitchFamily="18" charset="0"/>
-                        <a:ea typeface="Cambria Math" panose="02040503050406030204" pitchFamily="18" charset="0"/>
-                      </a:rPr>
-                      <m:t>𝟗𝟓</m:t>
+                      <m:t>𝟓</m:t>
                     </m:r>
                     <m:r>
                       <a:rPr lang="en-GB" b="1" i="1">
@@ -9001,11 +9544,11 @@
                       </m:dPr>
                       <m:e>
                         <m:r>
-                          <a:rPr lang="en-GB" b="1" i="1">
+                          <a:rPr lang="tr-TR" b="1" i="1" smtClean="0">
                             <a:latin typeface="Cambria Math" panose="02040503050406030204" pitchFamily="18" charset="0"/>
                             <a:ea typeface="Cambria Math" panose="02040503050406030204" pitchFamily="18" charset="0"/>
                           </a:rPr>
-                          <m:t>𝟕𝟑𝟒𝟎𝟎𝟒𝟗</m:t>
+                          <m:t>𝟑𝟔𝟕𝟎𝟎𝟐𝟒</m:t>
                         </m:r>
                         <m:r>
                           <a:rPr lang="en-GB" b="1" i="1">
@@ -9015,11 +9558,11 @@
                           <m:t>.</m:t>
                         </m:r>
                         <m:r>
-                          <a:rPr lang="en-GB" b="1" i="1">
+                          <a:rPr lang="tr-TR" b="1" i="1" smtClean="0">
                             <a:latin typeface="Cambria Math" panose="02040503050406030204" pitchFamily="18" charset="0"/>
                             <a:ea typeface="Cambria Math" panose="02040503050406030204" pitchFamily="18" charset="0"/>
                           </a:rPr>
-                          <m:t>𝟎𝟑𝟏</m:t>
+                          <m:t>𝟓𝟏𝟓</m:t>
                         </m:r>
                       </m:e>
                     </m:d>
@@ -9031,7 +9574,6 @@
                 </a:endParaRPr>
               </a:p>
               <a:p>
-                <a:pPr/>
                 <a14:m>
                   <m:oMath xmlns:m="http://schemas.openxmlformats.org/officeDocument/2006/math">
                     <m:r>
@@ -9063,11 +9605,11 @@
                       <m:t>.</m:t>
                     </m:r>
                     <m:r>
-                      <a:rPr lang="en-GB" b="1" i="1">
+                      <a:rPr lang="tr-TR" b="1" i="1" smtClean="0">
                         <a:latin typeface="Cambria Math" panose="02040503050406030204" pitchFamily="18" charset="0"/>
                         <a:ea typeface="Cambria Math" panose="02040503050406030204" pitchFamily="18" charset="0"/>
                       </a:rPr>
-                      <m:t>𝟎𝟕𝟖</m:t>
+                      <m:t>𝟏</m:t>
                     </m:r>
                     <m:r>
                       <a:rPr lang="en-GB" b="1" i="1">
@@ -9368,10 +9910,10 @@
       </p:grpSpPr>
       <p:pic>
         <p:nvPicPr>
-          <p:cNvPr id="8" name="Resim 7">
+          <p:cNvPr id="4" name="Resim 3">
             <a:extLst>
               <a:ext uri="{FF2B5EF4-FFF2-40B4-BE49-F238E27FC236}">
-                <a16:creationId xmlns:a16="http://schemas.microsoft.com/office/drawing/2014/main" id="{40F39C18-2297-4334-97FD-B4C12ABA0106}"/>
+                <a16:creationId xmlns:a16="http://schemas.microsoft.com/office/drawing/2014/main" id="{E865A3C7-CFCA-41B7-8E77-6B7DC3A5BEDD}"/>
               </a:ext>
             </a:extLst>
           </p:cNvPr>
@@ -9382,12 +9924,12 @@
         </p:nvPicPr>
         <p:blipFill rotWithShape="1">
           <a:blip r:embed="rId2"/>
-          <a:srcRect l="491" r="1732" b="1"/>
+          <a:srcRect b="1747"/>
           <a:stretch/>
         </p:blipFill>
         <p:spPr>
           <a:xfrm>
-            <a:off x="20" y="11"/>
+            <a:off x="20" y="10"/>
             <a:ext cx="12191980" cy="6857989"/>
           </a:xfrm>
           <a:prstGeom prst="rect">
@@ -9397,7 +9939,7 @@
       </p:pic>
       <p:sp>
         <p:nvSpPr>
-          <p:cNvPr id="13" name="Rectangle 12">
+          <p:cNvPr id="35" name="Rectangle 34">
             <a:extLst>
               <a:ext uri="{FF2B5EF4-FFF2-40B4-BE49-F238E27FC236}">
                 <a16:creationId xmlns:a16="http://schemas.microsoft.com/office/drawing/2014/main" id="{F79FF99C-BAA9-404F-9C96-6DD456B4F795}"/>
@@ -9462,7 +10004,7 @@
       </p:sp>
       <p:sp>
         <p:nvSpPr>
-          <p:cNvPr id="15" name="Rectangle 14">
+          <p:cNvPr id="37" name="Rectangle 36">
             <a:extLst>
               <a:ext uri="{FF2B5EF4-FFF2-40B4-BE49-F238E27FC236}">
                 <a16:creationId xmlns:a16="http://schemas.microsoft.com/office/drawing/2014/main" id="{49C44AFD-C72D-4D9C-84C6-73E615CED884}"/>
@@ -9571,8 +10113,8 @@
             </p:nvSpPr>
             <p:spPr>
               <a:xfrm>
-                <a:off x="5717381" y="5322139"/>
-                <a:ext cx="6827044" cy="1136142"/>
+                <a:off x="6568155" y="5296827"/>
+                <a:ext cx="5623845" cy="1307592"/>
               </a:xfrm>
             </p:spPr>
             <p:txBody>
@@ -9680,109 +10222,138 @@
                       </a:rPr>
                       <m:t>=</m:t>
                     </m:r>
-                    <m:r>
-                      <a:rPr lang="en-GB" b="1" i="1">
-                        <a:latin typeface="Cambria Math" panose="02040503050406030204" pitchFamily="18" charset="0"/>
-                      </a:rPr>
-                      <m:t>𝟐</m:t>
-                    </m:r>
-                    <m:r>
-                      <a:rPr lang="en-GB" b="1" i="1">
-                        <a:latin typeface="Cambria Math" panose="02040503050406030204" pitchFamily="18" charset="0"/>
-                      </a:rPr>
-                      <m:t>∗(</m:t>
-                    </m:r>
-                    <m:r>
-                      <a:rPr lang="en-GB" b="1" i="1">
-                        <a:latin typeface="Cambria Math" panose="02040503050406030204" pitchFamily="18" charset="0"/>
-                      </a:rPr>
-                      <m:t>𝟐𝟑𝟑𝟎𝟎</m:t>
-                    </m:r>
-                    <m:sSup>
-                      <m:sSupPr>
+                    <m:d>
+                      <m:dPr>
                         <m:ctrlPr>
-                          <a:rPr lang="tr-TR" b="1" i="1">
+                          <a:rPr lang="en-GB" b="1" i="1">
                             <a:latin typeface="Cambria Math" panose="02040503050406030204" pitchFamily="18" charset="0"/>
                           </a:rPr>
                         </m:ctrlPr>
-                      </m:sSupPr>
+                      </m:dPr>
                       <m:e>
                         <m:r>
                           <a:rPr lang="en-GB" b="1" i="1">
                             <a:latin typeface="Cambria Math" panose="02040503050406030204" pitchFamily="18" charset="0"/>
                           </a:rPr>
-                          <m:t>𝒎𝒎</m:t>
+                          <m:t>𝟐𝟑𝟑𝟎𝟎</m:t>
                         </m:r>
+                        <m:sSup>
+                          <m:sSupPr>
+                            <m:ctrlPr>
+                              <a:rPr lang="tr-TR" b="1" i="1">
+                                <a:latin typeface="Cambria Math" panose="02040503050406030204" pitchFamily="18" charset="0"/>
+                              </a:rPr>
+                            </m:ctrlPr>
+                          </m:sSupPr>
+                          <m:e>
+                            <m:r>
+                              <a:rPr lang="en-GB" b="1" i="1">
+                                <a:latin typeface="Cambria Math" panose="02040503050406030204" pitchFamily="18" charset="0"/>
+                              </a:rPr>
+                              <m:t>𝒎𝒎</m:t>
+                            </m:r>
+                          </m:e>
+                          <m:sup>
+                            <m:r>
+                              <a:rPr lang="en-GB" b="1" i="1">
+                                <a:latin typeface="Cambria Math" panose="02040503050406030204" pitchFamily="18" charset="0"/>
+                              </a:rPr>
+                              <m:t>𝟑</m:t>
+                            </m:r>
+                          </m:sup>
+                        </m:sSup>
                       </m:e>
-                      <m:sup>
-                        <m:r>
+                    </m:d>
+                    <m:r>
+                      <a:rPr lang="en-GB" b="1" i="1">
+                        <a:latin typeface="Cambria Math" panose="02040503050406030204" pitchFamily="18" charset="0"/>
+                      </a:rPr>
+                      <m:t>∗</m:t>
+                    </m:r>
+                    <m:d>
+                      <m:dPr>
+                        <m:ctrlPr>
                           <a:rPr lang="en-GB" b="1" i="1">
                             <a:latin typeface="Cambria Math" panose="02040503050406030204" pitchFamily="18" charset="0"/>
                           </a:rPr>
-                          <m:t>𝟑</m:t>
-                        </m:r>
-                      </m:sup>
-                    </m:sSup>
+                        </m:ctrlPr>
+                      </m:dPr>
+                      <m:e>
+                        <m:f>
+                          <m:fPr>
+                            <m:ctrlPr>
+                              <a:rPr lang="en-GB" b="1" i="1">
+                                <a:latin typeface="Cambria Math" panose="02040503050406030204" pitchFamily="18" charset="0"/>
+                              </a:rPr>
+                            </m:ctrlPr>
+                          </m:fPr>
+                          <m:num>
+                            <m:r>
+                              <a:rPr lang="tr-TR" b="1" i="1" smtClean="0">
+                                <a:latin typeface="Cambria Math" panose="02040503050406030204" pitchFamily="18" charset="0"/>
+                              </a:rPr>
+                              <m:t>𝟐𝟓𝟎</m:t>
+                            </m:r>
+                            <m:r>
+                              <a:rPr lang="en-GB" b="1" i="1">
+                                <a:latin typeface="Cambria Math" panose="02040503050406030204" pitchFamily="18" charset="0"/>
+                              </a:rPr>
+                              <m:t>𝒎𝒘</m:t>
+                            </m:r>
+                          </m:num>
+                          <m:den>
+                            <m:sSup>
+                              <m:sSupPr>
+                                <m:ctrlPr>
+                                  <a:rPr lang="tr-TR" b="1" i="1">
+                                    <a:latin typeface="Cambria Math" panose="02040503050406030204" pitchFamily="18" charset="0"/>
+                                  </a:rPr>
+                                </m:ctrlPr>
+                              </m:sSupPr>
+                              <m:e>
+                                <m:r>
+                                  <a:rPr lang="en-GB" b="1" i="1">
+                                    <a:latin typeface="Cambria Math" panose="02040503050406030204" pitchFamily="18" charset="0"/>
+                                  </a:rPr>
+                                  <m:t>𝒄𝒎</m:t>
+                                </m:r>
+                              </m:e>
+                              <m:sup>
+                                <m:r>
+                                  <a:rPr lang="en-GB" b="1" i="1">
+                                    <a:latin typeface="Cambria Math" panose="02040503050406030204" pitchFamily="18" charset="0"/>
+                                  </a:rPr>
+                                  <m:t>𝟑</m:t>
+                                </m:r>
+                              </m:sup>
+                            </m:sSup>
+                          </m:den>
+                        </m:f>
+                      </m:e>
+                    </m:d>
                     <m:r>
                       <a:rPr lang="en-GB" b="1" i="1">
                         <a:latin typeface="Cambria Math" panose="02040503050406030204" pitchFamily="18" charset="0"/>
                       </a:rPr>
-                      <m:t>)∗(</m:t>
+                      <m:t>=</m:t>
                     </m:r>
                     <m:r>
                       <a:rPr lang="tr-TR" b="1" i="1" smtClean="0">
                         <a:latin typeface="Cambria Math" panose="02040503050406030204" pitchFamily="18" charset="0"/>
                       </a:rPr>
-                      <m:t>𝟏𝟓𝟎</m:t>
-                    </m:r>
-                    <m:r>
-                      <a:rPr lang="en-GB" b="1" i="1">
-                        <a:latin typeface="Cambria Math" panose="02040503050406030204" pitchFamily="18" charset="0"/>
-                      </a:rPr>
-                      <m:t>𝒎𝒘</m:t>
-                    </m:r>
-                    <m:r>
-                      <a:rPr lang="en-GB" b="1" i="1">
-                        <a:latin typeface="Cambria Math" panose="02040503050406030204" pitchFamily="18" charset="0"/>
-                      </a:rPr>
-                      <m:t>/</m:t>
-                    </m:r>
-                    <m:sSup>
-                      <m:sSupPr>
-                        <m:ctrlPr>
-                          <a:rPr lang="tr-TR" b="1" i="1">
-                            <a:latin typeface="Cambria Math" panose="02040503050406030204" pitchFamily="18" charset="0"/>
-                          </a:rPr>
-                        </m:ctrlPr>
-                      </m:sSupPr>
-                      <m:e>
-                        <m:r>
-                          <a:rPr lang="en-GB" b="1" i="1">
-                            <a:latin typeface="Cambria Math" panose="02040503050406030204" pitchFamily="18" charset="0"/>
-                          </a:rPr>
-                          <m:t>𝒄𝒎</m:t>
-                        </m:r>
-                      </m:e>
-                      <m:sup>
-                        <m:r>
-                          <a:rPr lang="en-GB" b="1" i="1">
-                            <a:latin typeface="Cambria Math" panose="02040503050406030204" pitchFamily="18" charset="0"/>
-                          </a:rPr>
-                          <m:t>𝟑</m:t>
-                        </m:r>
-                      </m:sup>
-                    </m:sSup>
-                    <m:r>
-                      <a:rPr lang="en-GB" b="1" i="1">
-                        <a:latin typeface="Cambria Math" panose="02040503050406030204" pitchFamily="18" charset="0"/>
-                      </a:rPr>
-                      <m:t>)=</m:t>
+                      <m:t>𝟓</m:t>
                     </m:r>
                     <m:r>
                       <a:rPr lang="tr-TR" b="1" i="1" smtClean="0">
                         <a:latin typeface="Cambria Math" panose="02040503050406030204" pitchFamily="18" charset="0"/>
                       </a:rPr>
-                      <m:t>𝟕</m:t>
+                      <m:t>.</m:t>
+                    </m:r>
+                    <m:r>
+                      <a:rPr lang="tr-TR" b="1" i="1" smtClean="0">
+                        <a:latin typeface="Cambria Math" panose="02040503050406030204" pitchFamily="18" charset="0"/>
+                      </a:rPr>
+                      <m:t>𝟖</m:t>
                     </m:r>
                     <m:r>
                       <a:rPr lang="en-GB" b="1" i="1">
@@ -9816,13 +10387,13 @@
             </p:nvSpPr>
             <p:spPr>
               <a:xfrm>
-                <a:off x="5717381" y="5322139"/>
-                <a:ext cx="6827044" cy="1136142"/>
+                <a:off x="6568155" y="5296827"/>
+                <a:ext cx="5623845" cy="1307592"/>
               </a:xfrm>
               <a:blipFill>
                 <a:blip r:embed="rId5"/>
                 <a:stretch>
-                  <a:fillRect l="-446"/>
+                  <a:fillRect l="-433"/>
                 </a:stretch>
               </a:blipFill>
             </p:spPr>
@@ -9843,7 +10414,7 @@
       </mc:AlternateContent>
       <p:grpSp>
         <p:nvGrpSpPr>
-          <p:cNvPr id="17" name="Group 16">
+          <p:cNvPr id="39" name="Group 38">
             <a:extLst>
               <a:ext uri="{FF2B5EF4-FFF2-40B4-BE49-F238E27FC236}">
                 <a16:creationId xmlns:a16="http://schemas.microsoft.com/office/drawing/2014/main" id="{1D25B14F-36E0-41E8-956F-CABEF1ADD65F}"/>
@@ -9874,7 +10445,7 @@
         </p:grpSpPr>
         <p:sp>
           <p:nvSpPr>
-            <p:cNvPr id="18" name="Oval 17">
+            <p:cNvPr id="40" name="Oval 39">
               <a:extLst>
                 <a:ext uri="{FF2B5EF4-FFF2-40B4-BE49-F238E27FC236}">
                   <a16:creationId xmlns:a16="http://schemas.microsoft.com/office/drawing/2014/main" id="{4AFB9EA5-DE4D-4E6B-A302-F55174E4B19A}"/>
@@ -9961,7 +10532,7 @@
         </p:sp>
         <p:sp>
           <p:nvSpPr>
-            <p:cNvPr id="19" name="Oval 18">
+            <p:cNvPr id="41" name="Oval 40">
               <a:extLst>
                 <a:ext uri="{FF2B5EF4-FFF2-40B4-BE49-F238E27FC236}">
                   <a16:creationId xmlns:a16="http://schemas.microsoft.com/office/drawing/2014/main" id="{E44092F4-4D9B-4D0A-8832-C29E786F8F03}"/>
@@ -10118,10 +10689,10 @@
       </p:sp>
       <p:pic>
         <p:nvPicPr>
-          <p:cNvPr id="4" name="Resim 3">
+          <p:cNvPr id="3" name="Resim 2">
             <a:extLst>
               <a:ext uri="{FF2B5EF4-FFF2-40B4-BE49-F238E27FC236}">
-                <a16:creationId xmlns:a16="http://schemas.microsoft.com/office/drawing/2014/main" id="{A6F5556E-A4C6-44D3-951A-52931861E9B1}"/>
+                <a16:creationId xmlns:a16="http://schemas.microsoft.com/office/drawing/2014/main" id="{30407CD9-C455-4E00-849D-75A3F4D4D127}"/>
               </a:ext>
             </a:extLst>
           </p:cNvPr>
@@ -10130,16 +10701,15 @@
           </p:cNvPicPr>
           <p:nvPr/>
         </p:nvPicPr>
-        <p:blipFill>
+        <p:blipFill rotWithShape="1">
           <a:blip r:embed="rId2"/>
-          <a:stretch>
-            <a:fillRect/>
-          </a:stretch>
+          <a:srcRect t="31677" r="2179"/>
+          <a:stretch/>
         </p:blipFill>
         <p:spPr>
           <a:xfrm>
-            <a:off x="4994622" y="1884556"/>
-            <a:ext cx="5284402" cy="2262248"/>
+            <a:off x="4776292" y="3919398"/>
+            <a:ext cx="6067921" cy="2574271"/>
           </a:xfrm>
           <a:prstGeom prst="rect">
             <a:avLst/>
@@ -10148,10 +10718,39 @@
       </p:pic>
       <p:pic>
         <p:nvPicPr>
-          <p:cNvPr id="5" name="Resim 4">
+          <p:cNvPr id="7" name="Resim 6">
             <a:extLst>
               <a:ext uri="{FF2B5EF4-FFF2-40B4-BE49-F238E27FC236}">
-                <a16:creationId xmlns:a16="http://schemas.microsoft.com/office/drawing/2014/main" id="{36F4CFBE-D9C0-4689-8E72-A3703C402A53}"/>
+                <a16:creationId xmlns:a16="http://schemas.microsoft.com/office/drawing/2014/main" id="{7A33EACE-6137-4F44-99B6-843EB031B564}"/>
+              </a:ext>
+            </a:extLst>
+          </p:cNvPr>
+          <p:cNvPicPr>
+            <a:picLocks noChangeAspect="1"/>
+          </p:cNvPicPr>
+          <p:nvPr/>
+        </p:nvPicPr>
+        <p:blipFill rotWithShape="1">
+          <a:blip r:embed="rId2"/>
+          <a:srcRect r="60334" b="71458"/>
+          <a:stretch/>
+        </p:blipFill>
+        <p:spPr>
+          <a:xfrm>
+            <a:off x="65739" y="171647"/>
+            <a:ext cx="4478463" cy="1957388"/>
+          </a:xfrm>
+          <a:prstGeom prst="rect">
+            <a:avLst/>
+          </a:prstGeom>
+        </p:spPr>
+      </p:pic>
+      <p:pic>
+        <p:nvPicPr>
+          <p:cNvPr id="8" name="Resim 7">
+            <a:extLst>
+              <a:ext uri="{FF2B5EF4-FFF2-40B4-BE49-F238E27FC236}">
+                <a16:creationId xmlns:a16="http://schemas.microsoft.com/office/drawing/2014/main" id="{C8C5FA05-C54F-4861-B163-83A0674640CB}"/>
               </a:ext>
             </a:extLst>
           </p:cNvPr>
@@ -10168,8 +10767,8 @@
         </p:blipFill>
         <p:spPr>
           <a:xfrm>
-            <a:off x="4061361" y="4250369"/>
-            <a:ext cx="7150925" cy="2607630"/>
+            <a:off x="65739" y="2550319"/>
+            <a:ext cx="2185914" cy="4307681"/>
           </a:xfrm>
           <a:prstGeom prst="rect">
             <a:avLst/>
@@ -10178,10 +10777,10 @@
       </p:pic>
       <p:pic>
         <p:nvPicPr>
-          <p:cNvPr id="6" name="Resim 5">
+          <p:cNvPr id="9" name="Resim 8">
             <a:extLst>
               <a:ext uri="{FF2B5EF4-FFF2-40B4-BE49-F238E27FC236}">
-                <a16:creationId xmlns:a16="http://schemas.microsoft.com/office/drawing/2014/main" id="{BD639883-4EE7-4168-9B7D-B7D317DE1B08}"/>
+                <a16:creationId xmlns:a16="http://schemas.microsoft.com/office/drawing/2014/main" id="{B251F35D-8794-4D8D-860C-CC82C7E59369}"/>
               </a:ext>
             </a:extLst>
           </p:cNvPr>
@@ -10198,8 +10797,8 @@
         </p:blipFill>
         <p:spPr>
           <a:xfrm>
-            <a:off x="-60026" y="-1"/>
-            <a:ext cx="3504960" cy="6858000"/>
+            <a:off x="4776292" y="1538287"/>
+            <a:ext cx="6067921" cy="2168331"/>
           </a:xfrm>
           <a:prstGeom prst="rect">
             <a:avLst/>
@@ -10222,6 +10821,14 @@
 <file path=ppt/slides/slide8.xml><?xml version="1.0" encoding="utf-8"?>
 <p:sld xmlns:a="http://schemas.openxmlformats.org/drawingml/2006/main" xmlns:r="http://schemas.openxmlformats.org/officeDocument/2006/relationships" xmlns:p="http://schemas.openxmlformats.org/presentationml/2006/main">
   <p:cSld>
+    <p:bg>
+      <p:bgPr>
+        <a:solidFill>
+          <a:schemeClr val="tx1"/>
+        </a:solidFill>
+        <a:effectLst/>
+      </p:bgPr>
+    </p:bg>
     <p:spTree>
       <p:nvGrpSpPr>
         <p:cNvPr id="1" name=""/>
@@ -10241,7 +10848,199 @@
           <p:cNvPr id="2" name="Unvan 1">
             <a:extLst>
               <a:ext uri="{FF2B5EF4-FFF2-40B4-BE49-F238E27FC236}">
-                <a16:creationId xmlns:a16="http://schemas.microsoft.com/office/drawing/2014/main" id="{903ADB42-4286-43B5-A5BB-76916C04764B}"/>
+                <a16:creationId xmlns:a16="http://schemas.microsoft.com/office/drawing/2014/main" id="{8DEE28A0-6BC5-4A8A-8E8B-55745EC4C0E9}"/>
+              </a:ext>
+            </a:extLst>
+          </p:cNvPr>
+          <p:cNvSpPr>
+            <a:spLocks noGrp="1"/>
+          </p:cNvSpPr>
+          <p:nvPr>
+            <p:ph type="title"/>
+          </p:nvPr>
+        </p:nvSpPr>
+        <p:spPr>
+          <a:xfrm>
+            <a:off x="6624986" y="171647"/>
+            <a:ext cx="2023674" cy="1609344"/>
+          </a:xfrm>
+        </p:spPr>
+        <p:txBody>
+          <a:bodyPr/>
+          <a:lstStyle/>
+          <a:p>
+            <a:r>
+              <a:rPr lang="tr-TR" dirty="0" err="1">
+                <a:solidFill>
+                  <a:schemeClr val="bg1"/>
+                </a:solidFill>
+              </a:rPr>
+              <a:t>PExprt</a:t>
+            </a:r>
+            <a:endParaRPr lang="tr-TR" dirty="0">
+              <a:solidFill>
+                <a:schemeClr val="bg1"/>
+              </a:solidFill>
+            </a:endParaRPr>
+          </a:p>
+        </p:txBody>
+      </p:sp>
+      <p:pic>
+        <p:nvPicPr>
+          <p:cNvPr id="3" name="Resim 2">
+            <a:extLst>
+              <a:ext uri="{FF2B5EF4-FFF2-40B4-BE49-F238E27FC236}">
+                <a16:creationId xmlns:a16="http://schemas.microsoft.com/office/drawing/2014/main" id="{27A10D76-C0D5-4897-A438-057CA3D5C234}"/>
+              </a:ext>
+            </a:extLst>
+          </p:cNvPr>
+          <p:cNvPicPr>
+            <a:picLocks noChangeAspect="1"/>
+          </p:cNvPicPr>
+          <p:nvPr/>
+        </p:nvPicPr>
+        <p:blipFill>
+          <a:blip r:embed="rId2"/>
+          <a:stretch>
+            <a:fillRect/>
+          </a:stretch>
+        </p:blipFill>
+        <p:spPr>
+          <a:xfrm>
+            <a:off x="76200" y="171647"/>
+            <a:ext cx="4690437" cy="1992909"/>
+          </a:xfrm>
+          <a:prstGeom prst="rect">
+            <a:avLst/>
+          </a:prstGeom>
+        </p:spPr>
+      </p:pic>
+      <p:pic>
+        <p:nvPicPr>
+          <p:cNvPr id="7" name="Resim 6">
+            <a:extLst>
+              <a:ext uri="{FF2B5EF4-FFF2-40B4-BE49-F238E27FC236}">
+                <a16:creationId xmlns:a16="http://schemas.microsoft.com/office/drawing/2014/main" id="{3FAA59AB-6504-4587-8C60-5F149144D60F}"/>
+              </a:ext>
+            </a:extLst>
+          </p:cNvPr>
+          <p:cNvPicPr>
+            <a:picLocks noChangeAspect="1"/>
+          </p:cNvPicPr>
+          <p:nvPr/>
+        </p:nvPicPr>
+        <p:blipFill>
+          <a:blip r:embed="rId3"/>
+          <a:stretch>
+            <a:fillRect/>
+          </a:stretch>
+        </p:blipFill>
+        <p:spPr>
+          <a:xfrm>
+            <a:off x="5005388" y="3978052"/>
+            <a:ext cx="5986462" cy="2513259"/>
+          </a:xfrm>
+          <a:prstGeom prst="rect">
+            <a:avLst/>
+          </a:prstGeom>
+        </p:spPr>
+      </p:pic>
+      <p:pic>
+        <p:nvPicPr>
+          <p:cNvPr id="8" name="Resim 7">
+            <a:extLst>
+              <a:ext uri="{FF2B5EF4-FFF2-40B4-BE49-F238E27FC236}">
+                <a16:creationId xmlns:a16="http://schemas.microsoft.com/office/drawing/2014/main" id="{69514997-38FA-4AD1-8AF7-D988CC09B704}"/>
+              </a:ext>
+            </a:extLst>
+          </p:cNvPr>
+          <p:cNvPicPr>
+            <a:picLocks noChangeAspect="1"/>
+          </p:cNvPicPr>
+          <p:nvPr/>
+        </p:nvPicPr>
+        <p:blipFill>
+          <a:blip r:embed="rId4"/>
+          <a:stretch>
+            <a:fillRect/>
+          </a:stretch>
+        </p:blipFill>
+        <p:spPr>
+          <a:xfrm>
+            <a:off x="0" y="2386012"/>
+            <a:ext cx="2277021" cy="4471987"/>
+          </a:xfrm>
+          <a:prstGeom prst="rect">
+            <a:avLst/>
+          </a:prstGeom>
+        </p:spPr>
+      </p:pic>
+      <p:pic>
+        <p:nvPicPr>
+          <p:cNvPr id="9" name="Resim 8">
+            <a:extLst>
+              <a:ext uri="{FF2B5EF4-FFF2-40B4-BE49-F238E27FC236}">
+                <a16:creationId xmlns:a16="http://schemas.microsoft.com/office/drawing/2014/main" id="{7FBF0971-D517-43A1-96A9-BB64789FD85E}"/>
+              </a:ext>
+            </a:extLst>
+          </p:cNvPr>
+          <p:cNvPicPr>
+            <a:picLocks noChangeAspect="1"/>
+          </p:cNvPicPr>
+          <p:nvPr/>
+        </p:nvPicPr>
+        <p:blipFill>
+          <a:blip r:embed="rId5"/>
+          <a:stretch>
+            <a:fillRect/>
+          </a:stretch>
+        </p:blipFill>
+        <p:spPr>
+          <a:xfrm>
+            <a:off x="5005388" y="1607343"/>
+            <a:ext cx="5986462" cy="2139627"/>
+          </a:xfrm>
+          <a:prstGeom prst="rect">
+            <a:avLst/>
+          </a:prstGeom>
+        </p:spPr>
+      </p:pic>
+    </p:spTree>
+    <p:extLst>
+      <p:ext uri="{BB962C8B-B14F-4D97-AF65-F5344CB8AC3E}">
+        <p14:creationId xmlns:p14="http://schemas.microsoft.com/office/powerpoint/2010/main" val="2100399247"/>
+      </p:ext>
+    </p:extLst>
+  </p:cSld>
+  <p:clrMapOvr>
+    <a:masterClrMapping/>
+  </p:clrMapOvr>
+</p:sld>
+</file>
+
+<file path=ppt/slides/slide9.xml><?xml version="1.0" encoding="utf-8"?>
+<p:sld xmlns:a="http://schemas.openxmlformats.org/drawingml/2006/main" xmlns:r="http://schemas.openxmlformats.org/officeDocument/2006/relationships" xmlns:p="http://schemas.openxmlformats.org/presentationml/2006/main">
+  <p:cSld>
+    <p:spTree>
+      <p:nvGrpSpPr>
+        <p:cNvPr id="1" name=""/>
+        <p:cNvGrpSpPr/>
+        <p:nvPr/>
+      </p:nvGrpSpPr>
+      <p:grpSpPr>
+        <a:xfrm>
+          <a:off x="0" y="0"/>
+          <a:ext cx="0" cy="0"/>
+          <a:chOff x="0" y="0"/>
+          <a:chExt cx="0" cy="0"/>
+        </a:xfrm>
+      </p:grpSpPr>
+      <p:sp>
+        <p:nvSpPr>
+          <p:cNvPr id="2" name="Unvan 1">
+            <a:extLst>
+              <a:ext uri="{FF2B5EF4-FFF2-40B4-BE49-F238E27FC236}">
+                <a16:creationId xmlns:a16="http://schemas.microsoft.com/office/drawing/2014/main" id="{030C8F55-0DA0-4B65-9D33-AB72BB5C6924}"/>
               </a:ext>
             </a:extLst>
           </p:cNvPr>
@@ -10258,46 +11057,68 @@
           <a:lstStyle/>
           <a:p>
             <a:r>
+              <a:rPr lang="tr-TR" dirty="0" err="1"/>
+              <a:t>Transformer</a:t>
+            </a:r>
+            <a:r>
               <a:rPr lang="tr-TR" dirty="0"/>
-              <a:t>Test </a:t>
+              <a:t> </a:t>
             </a:r>
             <a:r>
               <a:rPr lang="tr-TR" dirty="0" err="1"/>
-              <a:t>results</a:t>
+              <a:t>equıvalent</a:t>
             </a:r>
-            <a:endParaRPr lang="tr-TR" dirty="0"/>
+            <a:r>
+              <a:rPr lang="tr-TR" dirty="0"/>
+              <a:t> </a:t>
+            </a:r>
+            <a:r>
+              <a:rPr lang="tr-TR" dirty="0" err="1"/>
+              <a:t>cct</a:t>
+            </a:r>
+            <a:r>
+              <a:rPr lang="tr-TR" dirty="0"/>
+              <a:t> model</a:t>
+            </a:r>
           </a:p>
         </p:txBody>
       </p:sp>
-      <p:sp>
-        <p:nvSpPr>
-          <p:cNvPr id="3" name="İçerik Yer Tutucusu 2">
+      <p:pic>
+        <p:nvPicPr>
+          <p:cNvPr id="7" name="İçerik Yer Tutucusu 6">
             <a:extLst>
               <a:ext uri="{FF2B5EF4-FFF2-40B4-BE49-F238E27FC236}">
-                <a16:creationId xmlns:a16="http://schemas.microsoft.com/office/drawing/2014/main" id="{59C386E7-AA81-4125-8B3B-911943D182F8}"/>
+                <a16:creationId xmlns:a16="http://schemas.microsoft.com/office/drawing/2014/main" id="{C18C6D0B-7001-4805-B829-F5D42DEEC6E8}"/>
               </a:ext>
             </a:extLst>
           </p:cNvPr>
-          <p:cNvSpPr>
-            <a:spLocks noGrp="1"/>
-          </p:cNvSpPr>
+          <p:cNvPicPr>
+            <a:picLocks noGrp="1" noChangeAspect="1"/>
+          </p:cNvPicPr>
           <p:nvPr>
             <p:ph idx="1"/>
           </p:nvPr>
-        </p:nvSpPr>
-        <p:spPr/>
-        <p:txBody>
-          <a:bodyPr/>
-          <a:lstStyle/>
-          <a:p>
-            <a:endParaRPr lang="tr-TR"/>
-          </a:p>
-        </p:txBody>
-      </p:sp>
+        </p:nvPicPr>
+        <p:blipFill>
+          <a:blip r:embed="rId2"/>
+          <a:stretch>
+            <a:fillRect/>
+          </a:stretch>
+        </p:blipFill>
+        <p:spPr>
+          <a:xfrm>
+            <a:off x="1063752" y="1867046"/>
+            <a:ext cx="8828887" cy="3423945"/>
+          </a:xfrm>
+          <a:prstGeom prst="rect">
+            <a:avLst/>
+          </a:prstGeom>
+        </p:spPr>
+      </p:pic>
     </p:spTree>
     <p:extLst>
       <p:ext uri="{BB962C8B-B14F-4D97-AF65-F5344CB8AC3E}">
-        <p14:creationId xmlns:p14="http://schemas.microsoft.com/office/powerpoint/2010/main" val="2019022595"/>
+        <p14:creationId xmlns:p14="http://schemas.microsoft.com/office/powerpoint/2010/main" val="2583704439"/>
       </p:ext>
     </p:extLst>
   </p:cSld>

--- a/sunum.pptx
+++ b/sunum.pptx
@@ -15,6 +15,17 @@
     <p:sldId id="267" r:id="rId9"/>
     <p:sldId id="265" r:id="rId10"/>
     <p:sldId id="264" r:id="rId11"/>
+    <p:sldId id="268" r:id="rId12"/>
+    <p:sldId id="269" r:id="rId13"/>
+    <p:sldId id="270" r:id="rId14"/>
+    <p:sldId id="271" r:id="rId15"/>
+    <p:sldId id="272" r:id="rId16"/>
+    <p:sldId id="273" r:id="rId17"/>
+    <p:sldId id="274" r:id="rId18"/>
+    <p:sldId id="275" r:id="rId19"/>
+    <p:sldId id="276" r:id="rId20"/>
+    <p:sldId id="277" r:id="rId21"/>
+    <p:sldId id="278" r:id="rId22"/>
   </p:sldIdLst>
   <p:sldSz cx="12192000" cy="6858000"/>
   <p:notesSz cx="6858000" cy="9144000"/>
@@ -3988,10 +3999,10 @@
           <p:cNvPr id="8" name="Rectangle 7">
             <a:extLst>
               <a:ext uri="{FF2B5EF4-FFF2-40B4-BE49-F238E27FC236}">
-                <a16:creationId xmlns:a16="http://schemas.microsoft.com/office/drawing/2014/main" id="{E8035907-EB9C-4E11-8A9B-D25B0AD8D749}"/>
+                <a16:creationId xmlns:a16="http://schemas.microsoft.com/office/drawing/2014/main" xmlns="" id="{E8035907-EB9C-4E11-8A9B-D25B0AD8D749}"/>
               </a:ext>
               <a:ext uri="{C183D7F6-B498-43B3-948B-1728B52AA6E4}">
-                <adec:decorative xmlns:adec="http://schemas.microsoft.com/office/drawing/2017/decorative" val="1"/>
+                <adec:decorative xmlns:adec="http://schemas.microsoft.com/office/drawing/2017/decorative" xmlns="" val="1"/>
               </a:ext>
             </a:extLst>
           </p:cNvPr>
@@ -4001,7 +4012,7 @@
           <p:nvPr>
             <p:extLst>
               <p:ext uri="{386F3935-93C4-4BCD-93E2-E3B085C9AB24}">
-                <p16:designElem xmlns:p16="http://schemas.microsoft.com/office/powerpoint/2015/main" val="1"/>
+                <p16:designElem xmlns:p16="http://schemas.microsoft.com/office/powerpoint/2015/main" xmlns="" val="1"/>
               </p:ext>
             </p:extLst>
           </p:nvPr>
@@ -4147,7 +4158,7 @@
           <p:cNvPr id="3" name="Alt Başlık 2">
             <a:extLst>
               <a:ext uri="{FF2B5EF4-FFF2-40B4-BE49-F238E27FC236}">
-                <a16:creationId xmlns:a16="http://schemas.microsoft.com/office/drawing/2014/main" id="{E32E38CD-568A-4698-962A-716ECDAB5298}"/>
+                <a16:creationId xmlns:a16="http://schemas.microsoft.com/office/drawing/2014/main" xmlns="" id="{E32E38CD-568A-4698-962A-716ECDAB5298}"/>
               </a:ext>
             </a:extLst>
           </p:cNvPr>
@@ -4186,10 +4197,10 @@
           <p:cNvPr id="10" name="Oval 9">
             <a:extLst>
               <a:ext uri="{FF2B5EF4-FFF2-40B4-BE49-F238E27FC236}">
-                <a16:creationId xmlns:a16="http://schemas.microsoft.com/office/drawing/2014/main" id="{4AB5B6FA-7B4F-437A-9C78-144C7DCD1EC6}"/>
+                <a16:creationId xmlns:a16="http://schemas.microsoft.com/office/drawing/2014/main" xmlns="" id="{4AB5B6FA-7B4F-437A-9C78-144C7DCD1EC6}"/>
               </a:ext>
               <a:ext uri="{C183D7F6-B498-43B3-948B-1728B52AA6E4}">
-                <adec:decorative xmlns:adec="http://schemas.microsoft.com/office/drawing/2017/decorative" val="1"/>
+                <adec:decorative xmlns:adec="http://schemas.microsoft.com/office/drawing/2017/decorative" xmlns="" val="1"/>
               </a:ext>
             </a:extLst>
           </p:cNvPr>
@@ -4199,7 +4210,7 @@
           <p:nvPr>
             <p:extLst>
               <p:ext uri="{386F3935-93C4-4BCD-93E2-E3B085C9AB24}">
-                <p16:designElem xmlns:p16="http://schemas.microsoft.com/office/powerpoint/2015/main" val="1"/>
+                <p16:designElem xmlns:p16="http://schemas.microsoft.com/office/powerpoint/2015/main" xmlns="" val="1"/>
               </p:ext>
             </p:extLst>
           </p:nvPr>
@@ -4288,10 +4299,10 @@
           <p:cNvPr id="12" name="Oval 11">
             <a:extLst>
               <a:ext uri="{FF2B5EF4-FFF2-40B4-BE49-F238E27FC236}">
-                <a16:creationId xmlns:a16="http://schemas.microsoft.com/office/drawing/2014/main" id="{A4199C21-6AE0-4F6F-AA96-6FFF97BB95EB}"/>
+                <a16:creationId xmlns:a16="http://schemas.microsoft.com/office/drawing/2014/main" xmlns="" id="{A4199C21-6AE0-4F6F-AA96-6FFF97BB95EB}"/>
               </a:ext>
               <a:ext uri="{C183D7F6-B498-43B3-948B-1728B52AA6E4}">
-                <adec:decorative xmlns:adec="http://schemas.microsoft.com/office/drawing/2017/decorative" val="1"/>
+                <adec:decorative xmlns:adec="http://schemas.microsoft.com/office/drawing/2017/decorative" xmlns="" val="1"/>
               </a:ext>
             </a:extLst>
           </p:cNvPr>
@@ -4301,7 +4312,7 @@
           <p:nvPr>
             <p:extLst>
               <p:ext uri="{386F3935-93C4-4BCD-93E2-E3B085C9AB24}">
-                <p16:designElem xmlns:p16="http://schemas.microsoft.com/office/powerpoint/2015/main" val="1"/>
+                <p16:designElem xmlns:p16="http://schemas.microsoft.com/office/powerpoint/2015/main" xmlns="" val="1"/>
               </p:ext>
             </p:extLst>
           </p:nvPr>
@@ -4366,7 +4377,7 @@
           <p:cNvPr id="2" name="Unvan 1">
             <a:extLst>
               <a:ext uri="{FF2B5EF4-FFF2-40B4-BE49-F238E27FC236}">
-                <a16:creationId xmlns:a16="http://schemas.microsoft.com/office/drawing/2014/main" id="{4432DE54-27D4-440C-9EE8-24173DB96EF3}"/>
+                <a16:creationId xmlns:a16="http://schemas.microsoft.com/office/drawing/2014/main" xmlns="" id="{4432DE54-27D4-440C-9EE8-24173DB96EF3}"/>
               </a:ext>
             </a:extLst>
           </p:cNvPr>
@@ -4406,10 +4417,10 @@
           <p:cNvPr id="14" name="Rectangle 13">
             <a:extLst>
               <a:ext uri="{FF2B5EF4-FFF2-40B4-BE49-F238E27FC236}">
-                <a16:creationId xmlns:a16="http://schemas.microsoft.com/office/drawing/2014/main" id="{D9C69FA7-0958-4ED9-A0DF-E87A0C137BF5}"/>
+                <a16:creationId xmlns:a16="http://schemas.microsoft.com/office/drawing/2014/main" xmlns="" id="{D9C69FA7-0958-4ED9-A0DF-E87A0C137BF5}"/>
               </a:ext>
               <a:ext uri="{C183D7F6-B498-43B3-948B-1728B52AA6E4}">
-                <adec:decorative xmlns:adec="http://schemas.microsoft.com/office/drawing/2017/decorative" val="1"/>
+                <adec:decorative xmlns:adec="http://schemas.microsoft.com/office/drawing/2017/decorative" xmlns="" val="1"/>
               </a:ext>
             </a:extLst>
           </p:cNvPr>
@@ -4419,7 +4430,7 @@
           <p:nvPr>
             <p:extLst>
               <p:ext uri="{386F3935-93C4-4BCD-93E2-E3B085C9AB24}">
-                <p16:designElem xmlns:p16="http://schemas.microsoft.com/office/powerpoint/2015/main" val="1"/>
+                <p16:designElem xmlns:p16="http://schemas.microsoft.com/office/powerpoint/2015/main" xmlns="" val="1"/>
               </p:ext>
             </p:extLst>
           </p:nvPr>
@@ -4485,6 +4496,13 @@
   <p:clrMapOvr>
     <a:masterClrMapping/>
   </p:clrMapOvr>
+  <p:timing>
+    <p:tnLst>
+      <p:par>
+        <p:cTn id="1" dur="indefinite" restart="never" nodeType="tmRoot"/>
+      </p:par>
+    </p:tnLst>
+  </p:timing>
 </p:sld>
 </file>
 
@@ -4510,7 +4528,7 @@
           <p:cNvPr id="2" name="Unvan 1">
             <a:extLst>
               <a:ext uri="{FF2B5EF4-FFF2-40B4-BE49-F238E27FC236}">
-                <a16:creationId xmlns:a16="http://schemas.microsoft.com/office/drawing/2014/main" id="{903ADB42-4286-43B5-A5BB-76916C04764B}"/>
+                <a16:creationId xmlns:a16="http://schemas.microsoft.com/office/drawing/2014/main" xmlns="" id="{903ADB42-4286-43B5-A5BB-76916C04764B}"/>
               </a:ext>
             </a:extLst>
           </p:cNvPr>
@@ -4538,14 +4556,14 @@
           </a:p>
         </p:txBody>
       </p:sp>
-      <mc:AlternateContent xmlns:mc="http://schemas.openxmlformats.org/markup-compatibility/2006">
-        <mc:Choice xmlns:a14="http://schemas.microsoft.com/office/drawing/2010/main" Requires="a14">
+      <mc:AlternateContent xmlns:mc="http://schemas.openxmlformats.org/markup-compatibility/2006" xmlns:a14="http://schemas.microsoft.com/office/drawing/2010/main">
+        <mc:Choice Requires="a14">
           <p:sp>
             <p:nvSpPr>
               <p:cNvPr id="3" name="İçerik Yer Tutucusu 2">
                 <a:extLst>
                   <a:ext uri="{FF2B5EF4-FFF2-40B4-BE49-F238E27FC236}">
-                    <a16:creationId xmlns:a16="http://schemas.microsoft.com/office/drawing/2014/main" id="{59C386E7-AA81-4125-8B3B-911943D182F8}"/>
+                    <a16:creationId xmlns:a16="http://schemas.microsoft.com/office/drawing/2014/main" xmlns="" id="{59C386E7-AA81-4125-8B3B-911943D182F8}"/>
                   </a:ext>
                 </a:extLst>
               </p:cNvPr>
@@ -4789,7 +4807,7 @@
             </p:txBody>
           </p:sp>
         </mc:Choice>
-        <mc:Fallback>
+        <mc:Fallback xmlns="">
           <p:sp>
             <p:nvSpPr>
               <p:cNvPr id="3" name="İçerik Yer Tutucusu 2">
@@ -4838,7 +4856,7 @@
           <p:cNvPr id="4" name="Resim 3">
             <a:extLst>
               <a:ext uri="{FF2B5EF4-FFF2-40B4-BE49-F238E27FC236}">
-                <a16:creationId xmlns:a16="http://schemas.microsoft.com/office/drawing/2014/main" id="{516E2D6F-2ECD-471A-9744-7E14BFF9AE69}"/>
+                <a16:creationId xmlns:a16="http://schemas.microsoft.com/office/drawing/2014/main" xmlns="" id="{516E2D6F-2ECD-471A-9744-7E14BFF9AE69}"/>
               </a:ext>
             </a:extLst>
           </p:cNvPr>
@@ -4867,7 +4885,7 @@
           <p:cNvPr id="5" name="Resim 4">
             <a:extLst>
               <a:ext uri="{FF2B5EF4-FFF2-40B4-BE49-F238E27FC236}">
-                <a16:creationId xmlns:a16="http://schemas.microsoft.com/office/drawing/2014/main" id="{751FEF39-384A-4373-B968-C3E78127C664}"/>
+                <a16:creationId xmlns:a16="http://schemas.microsoft.com/office/drawing/2014/main" xmlns="" id="{751FEF39-384A-4373-B968-C3E78127C664}"/>
               </a:ext>
             </a:extLst>
           </p:cNvPr>
@@ -4901,6 +4919,933 @@
   <p:clrMapOvr>
     <a:masterClrMapping/>
   </p:clrMapOvr>
+  <p:timing>
+    <p:tnLst>
+      <p:par>
+        <p:cTn id="1" dur="indefinite" restart="never" nodeType="tmRoot"/>
+      </p:par>
+    </p:tnLst>
+  </p:timing>
+</p:sld>
+</file>
+
+<file path=ppt/slides/slide11.xml><?xml version="1.0" encoding="utf-8"?>
+<p:sld xmlns:a="http://schemas.openxmlformats.org/drawingml/2006/main" xmlns:r="http://schemas.openxmlformats.org/officeDocument/2006/relationships" xmlns:p="http://schemas.openxmlformats.org/presentationml/2006/main">
+  <p:cSld>
+    <p:spTree>
+      <p:nvGrpSpPr>
+        <p:cNvPr id="1" name=""/>
+        <p:cNvGrpSpPr/>
+        <p:nvPr/>
+      </p:nvGrpSpPr>
+      <p:grpSpPr>
+        <a:xfrm>
+          <a:off x="0" y="0"/>
+          <a:ext cx="0" cy="0"/>
+          <a:chOff x="0" y="0"/>
+          <a:chExt cx="0" cy="0"/>
+        </a:xfrm>
+      </p:grpSpPr>
+      <p:sp>
+        <p:nvSpPr>
+          <p:cNvPr id="2" name="Title 1"/>
+          <p:cNvSpPr>
+            <a:spLocks noGrp="1"/>
+          </p:cNvSpPr>
+          <p:nvPr>
+            <p:ph type="title"/>
+          </p:nvPr>
+        </p:nvSpPr>
+        <p:spPr/>
+        <p:txBody>
+          <a:bodyPr/>
+          <a:lstStyle/>
+          <a:p>
+            <a:r>
+              <a:rPr lang="tr-TR" dirty="0" smtClean="0"/>
+              <a:t>SIMULATION RESULTS</a:t>
+            </a:r>
+            <a:endParaRPr lang="en-GB" dirty="0"/>
+          </a:p>
+        </p:txBody>
+      </p:sp>
+    </p:spTree>
+    <p:extLst>
+      <p:ext uri="{BB962C8B-B14F-4D97-AF65-F5344CB8AC3E}">
+        <p14:creationId xmlns:p14="http://schemas.microsoft.com/office/powerpoint/2010/main" val="4124136063"/>
+      </p:ext>
+    </p:extLst>
+  </p:cSld>
+  <p:clrMapOvr>
+    <a:masterClrMapping/>
+  </p:clrMapOvr>
+  <p:timing>
+    <p:tnLst>
+      <p:par>
+        <p:cTn id="1" dur="indefinite" restart="never" nodeType="tmRoot"/>
+      </p:par>
+    </p:tnLst>
+  </p:timing>
+</p:sld>
+</file>
+
+<file path=ppt/slides/slide12.xml><?xml version="1.0" encoding="utf-8"?>
+<p:sld xmlns:a="http://schemas.openxmlformats.org/drawingml/2006/main" xmlns:r="http://schemas.openxmlformats.org/officeDocument/2006/relationships" xmlns:p="http://schemas.openxmlformats.org/presentationml/2006/main">
+  <p:cSld>
+    <p:spTree>
+      <p:nvGrpSpPr>
+        <p:cNvPr id="1" name=""/>
+        <p:cNvGrpSpPr/>
+        <p:nvPr/>
+      </p:nvGrpSpPr>
+      <p:grpSpPr>
+        <a:xfrm>
+          <a:off x="0" y="0"/>
+          <a:ext cx="0" cy="0"/>
+          <a:chOff x="0" y="0"/>
+          <a:chExt cx="0" cy="0"/>
+        </a:xfrm>
+      </p:grpSpPr>
+      <p:sp>
+        <p:nvSpPr>
+          <p:cNvPr id="2" name="Title 1"/>
+          <p:cNvSpPr>
+            <a:spLocks noGrp="1"/>
+          </p:cNvSpPr>
+          <p:nvPr>
+            <p:ph type="title"/>
+          </p:nvPr>
+        </p:nvSpPr>
+        <p:spPr>
+          <a:xfrm>
+            <a:off x="1069848" y="484633"/>
+            <a:ext cx="3689931" cy="380782"/>
+          </a:xfrm>
+        </p:spPr>
+        <p:txBody>
+          <a:bodyPr>
+            <a:normAutofit fontScale="90000"/>
+          </a:bodyPr>
+          <a:lstStyle/>
+          <a:p>
+            <a:r>
+              <a:rPr lang="tr-TR" dirty="0" smtClean="0"/>
+              <a:t>For V</a:t>
+            </a:r>
+            <a:r>
+              <a:rPr lang="tr-TR" sz="2000" dirty="0" smtClean="0"/>
+              <a:t>ın </a:t>
+            </a:r>
+            <a:r>
+              <a:rPr lang="tr-TR" sz="4200" dirty="0" smtClean="0"/>
+              <a:t>= </a:t>
+            </a:r>
+            <a:r>
+              <a:rPr lang="tr-TR" dirty="0" smtClean="0"/>
+              <a:t>24 V</a:t>
+            </a:r>
+            <a:endParaRPr lang="en-GB" dirty="0"/>
+          </a:p>
+        </p:txBody>
+      </p:sp>
+      <p:pic>
+        <p:nvPicPr>
+          <p:cNvPr id="4" name="Picture 3"/>
+          <p:cNvPicPr>
+            <a:picLocks noChangeAspect="1"/>
+          </p:cNvPicPr>
+          <p:nvPr/>
+        </p:nvPicPr>
+        <p:blipFill>
+          <a:blip r:embed="rId2">
+            <a:extLst>
+              <a:ext uri="{28A0092B-C50C-407E-A947-70E740481C1C}">
+                <a14:useLocalDpi xmlns:a14="http://schemas.microsoft.com/office/drawing/2010/main" val="0"/>
+              </a:ext>
+            </a:extLst>
+          </a:blip>
+          <a:stretch>
+            <a:fillRect/>
+          </a:stretch>
+        </p:blipFill>
+        <p:spPr>
+          <a:xfrm>
+            <a:off x="734785" y="1286329"/>
+            <a:ext cx="10670722" cy="5079708"/>
+          </a:xfrm>
+          <a:prstGeom prst="rect">
+            <a:avLst/>
+          </a:prstGeom>
+        </p:spPr>
+      </p:pic>
+      <p:sp>
+        <p:nvSpPr>
+          <p:cNvPr id="5" name="TextBox 4"/>
+          <p:cNvSpPr txBox="1"/>
+          <p:nvPr/>
+        </p:nvSpPr>
+        <p:spPr>
+          <a:xfrm>
+            <a:off x="4490358" y="6366037"/>
+            <a:ext cx="3722914" cy="369332"/>
+          </a:xfrm>
+          <a:prstGeom prst="rect">
+            <a:avLst/>
+          </a:prstGeom>
+          <a:noFill/>
+        </p:spPr>
+        <p:txBody>
+          <a:bodyPr wrap="square" rtlCol="0">
+            <a:spAutoFit/>
+          </a:bodyPr>
+          <a:lstStyle/>
+          <a:p>
+            <a:r>
+              <a:rPr lang="tr-TR" dirty="0" smtClean="0"/>
+              <a:t>Output  Voltage</a:t>
+            </a:r>
+            <a:endParaRPr lang="en-GB" dirty="0"/>
+          </a:p>
+        </p:txBody>
+      </p:sp>
+    </p:spTree>
+    <p:extLst>
+      <p:ext uri="{BB962C8B-B14F-4D97-AF65-F5344CB8AC3E}">
+        <p14:creationId xmlns:p14="http://schemas.microsoft.com/office/powerpoint/2010/main" val="4043027966"/>
+      </p:ext>
+    </p:extLst>
+  </p:cSld>
+  <p:clrMapOvr>
+    <a:masterClrMapping/>
+  </p:clrMapOvr>
+  <p:timing>
+    <p:tnLst>
+      <p:par>
+        <p:cTn id="1" dur="indefinite" restart="never" nodeType="tmRoot"/>
+      </p:par>
+    </p:tnLst>
+  </p:timing>
+</p:sld>
+</file>
+
+<file path=ppt/slides/slide13.xml><?xml version="1.0" encoding="utf-8"?>
+<p:sld xmlns:a="http://schemas.openxmlformats.org/drawingml/2006/main" xmlns:r="http://schemas.openxmlformats.org/officeDocument/2006/relationships" xmlns:p="http://schemas.openxmlformats.org/presentationml/2006/main">
+  <p:cSld>
+    <p:spTree>
+      <p:nvGrpSpPr>
+        <p:cNvPr id="1" name=""/>
+        <p:cNvGrpSpPr/>
+        <p:nvPr/>
+      </p:nvGrpSpPr>
+      <p:grpSpPr>
+        <a:xfrm>
+          <a:off x="0" y="0"/>
+          <a:ext cx="0" cy="0"/>
+          <a:chOff x="0" y="0"/>
+          <a:chExt cx="0" cy="0"/>
+        </a:xfrm>
+      </p:grpSpPr>
+      <p:sp>
+        <p:nvSpPr>
+          <p:cNvPr id="5" name="TextBox 4"/>
+          <p:cNvSpPr txBox="1"/>
+          <p:nvPr/>
+        </p:nvSpPr>
+        <p:spPr>
+          <a:xfrm>
+            <a:off x="4653645" y="5868015"/>
+            <a:ext cx="3722914" cy="369332"/>
+          </a:xfrm>
+          <a:prstGeom prst="rect">
+            <a:avLst/>
+          </a:prstGeom>
+          <a:noFill/>
+        </p:spPr>
+        <p:txBody>
+          <a:bodyPr wrap="square" rtlCol="0">
+            <a:spAutoFit/>
+          </a:bodyPr>
+          <a:lstStyle/>
+          <a:p>
+            <a:r>
+              <a:rPr lang="tr-TR" dirty="0" smtClean="0"/>
+              <a:t>Output  Current</a:t>
+            </a:r>
+            <a:endParaRPr lang="en-GB" dirty="0"/>
+          </a:p>
+        </p:txBody>
+      </p:sp>
+      <p:pic>
+        <p:nvPicPr>
+          <p:cNvPr id="6" name="Picture 5"/>
+          <p:cNvPicPr>
+            <a:picLocks noChangeAspect="1"/>
+          </p:cNvPicPr>
+          <p:nvPr/>
+        </p:nvPicPr>
+        <p:blipFill>
+          <a:blip r:embed="rId2">
+            <a:extLst>
+              <a:ext uri="{28A0092B-C50C-407E-A947-70E740481C1C}">
+                <a14:useLocalDpi xmlns:a14="http://schemas.microsoft.com/office/drawing/2010/main" val="0"/>
+              </a:ext>
+            </a:extLst>
+          </a:blip>
+          <a:stretch>
+            <a:fillRect/>
+          </a:stretch>
+        </p:blipFill>
+        <p:spPr>
+          <a:xfrm>
+            <a:off x="693964" y="445860"/>
+            <a:ext cx="11072260" cy="5299691"/>
+          </a:xfrm>
+          <a:prstGeom prst="rect">
+            <a:avLst/>
+          </a:prstGeom>
+        </p:spPr>
+      </p:pic>
+    </p:spTree>
+    <p:extLst>
+      <p:ext uri="{BB962C8B-B14F-4D97-AF65-F5344CB8AC3E}">
+        <p14:creationId xmlns:p14="http://schemas.microsoft.com/office/powerpoint/2010/main" val="3990913191"/>
+      </p:ext>
+    </p:extLst>
+  </p:cSld>
+  <p:clrMapOvr>
+    <a:masterClrMapping/>
+  </p:clrMapOvr>
+  <p:timing>
+    <p:tnLst>
+      <p:par>
+        <p:cTn id="1" dur="indefinite" restart="never" nodeType="tmRoot"/>
+      </p:par>
+    </p:tnLst>
+  </p:timing>
+</p:sld>
+</file>
+
+<file path=ppt/slides/slide14.xml><?xml version="1.0" encoding="utf-8"?>
+<p:sld xmlns:a="http://schemas.openxmlformats.org/drawingml/2006/main" xmlns:r="http://schemas.openxmlformats.org/officeDocument/2006/relationships" xmlns:p="http://schemas.openxmlformats.org/presentationml/2006/main">
+  <p:cSld>
+    <p:spTree>
+      <p:nvGrpSpPr>
+        <p:cNvPr id="1" name=""/>
+        <p:cNvGrpSpPr/>
+        <p:nvPr/>
+      </p:nvGrpSpPr>
+      <p:grpSpPr>
+        <a:xfrm>
+          <a:off x="0" y="0"/>
+          <a:ext cx="0" cy="0"/>
+          <a:chOff x="0" y="0"/>
+          <a:chExt cx="0" cy="0"/>
+        </a:xfrm>
+      </p:grpSpPr>
+      <p:sp>
+        <p:nvSpPr>
+          <p:cNvPr id="5" name="TextBox 4"/>
+          <p:cNvSpPr txBox="1"/>
+          <p:nvPr/>
+        </p:nvSpPr>
+        <p:spPr>
+          <a:xfrm>
+            <a:off x="4637317" y="5786372"/>
+            <a:ext cx="3722914" cy="369332"/>
+          </a:xfrm>
+          <a:prstGeom prst="rect">
+            <a:avLst/>
+          </a:prstGeom>
+          <a:noFill/>
+        </p:spPr>
+        <p:txBody>
+          <a:bodyPr wrap="square" rtlCol="0">
+            <a:spAutoFit/>
+          </a:bodyPr>
+          <a:lstStyle/>
+          <a:p>
+            <a:r>
+              <a:rPr lang="tr-TR" dirty="0" smtClean="0"/>
+              <a:t>Input  Current</a:t>
+            </a:r>
+            <a:endParaRPr lang="en-GB" dirty="0"/>
+          </a:p>
+        </p:txBody>
+      </p:sp>
+      <p:pic>
+        <p:nvPicPr>
+          <p:cNvPr id="2" name="Picture 1"/>
+          <p:cNvPicPr>
+            <a:picLocks noChangeAspect="1"/>
+          </p:cNvPicPr>
+          <p:nvPr/>
+        </p:nvPicPr>
+        <p:blipFill>
+          <a:blip r:embed="rId2">
+            <a:extLst>
+              <a:ext uri="{28A0092B-C50C-407E-A947-70E740481C1C}">
+                <a14:useLocalDpi xmlns:a14="http://schemas.microsoft.com/office/drawing/2010/main" val="0"/>
+              </a:ext>
+            </a:extLst>
+          </a:blip>
+          <a:stretch>
+            <a:fillRect/>
+          </a:stretch>
+        </p:blipFill>
+        <p:spPr>
+          <a:xfrm>
+            <a:off x="840922" y="322943"/>
+            <a:ext cx="10726598" cy="5106307"/>
+          </a:xfrm>
+          <a:prstGeom prst="rect">
+            <a:avLst/>
+          </a:prstGeom>
+        </p:spPr>
+      </p:pic>
+    </p:spTree>
+    <p:extLst>
+      <p:ext uri="{BB962C8B-B14F-4D97-AF65-F5344CB8AC3E}">
+        <p14:creationId xmlns:p14="http://schemas.microsoft.com/office/powerpoint/2010/main" val="829898430"/>
+      </p:ext>
+    </p:extLst>
+  </p:cSld>
+  <p:clrMapOvr>
+    <a:masterClrMapping/>
+  </p:clrMapOvr>
+  <p:timing>
+    <p:tnLst>
+      <p:par>
+        <p:cTn id="1" dur="indefinite" restart="never" nodeType="tmRoot"/>
+      </p:par>
+    </p:tnLst>
+  </p:timing>
+</p:sld>
+</file>
+
+<file path=ppt/slides/slide15.xml><?xml version="1.0" encoding="utf-8"?>
+<p:sld xmlns:a="http://schemas.openxmlformats.org/drawingml/2006/main" xmlns:r="http://schemas.openxmlformats.org/officeDocument/2006/relationships" xmlns:p="http://schemas.openxmlformats.org/presentationml/2006/main">
+  <p:cSld>
+    <p:spTree>
+      <p:nvGrpSpPr>
+        <p:cNvPr id="1" name=""/>
+        <p:cNvGrpSpPr/>
+        <p:nvPr/>
+      </p:nvGrpSpPr>
+      <p:grpSpPr>
+        <a:xfrm>
+          <a:off x="0" y="0"/>
+          <a:ext cx="0" cy="0"/>
+          <a:chOff x="0" y="0"/>
+          <a:chExt cx="0" cy="0"/>
+        </a:xfrm>
+      </p:grpSpPr>
+      <p:sp>
+        <p:nvSpPr>
+          <p:cNvPr id="5" name="TextBox 4"/>
+          <p:cNvSpPr txBox="1"/>
+          <p:nvPr/>
+        </p:nvSpPr>
+        <p:spPr>
+          <a:xfrm>
+            <a:off x="4653645" y="5868015"/>
+            <a:ext cx="3722914" cy="369332"/>
+          </a:xfrm>
+          <a:prstGeom prst="rect">
+            <a:avLst/>
+          </a:prstGeom>
+          <a:noFill/>
+        </p:spPr>
+        <p:txBody>
+          <a:bodyPr wrap="square" rtlCol="0">
+            <a:spAutoFit/>
+          </a:bodyPr>
+          <a:lstStyle/>
+          <a:p>
+            <a:r>
+              <a:rPr lang="tr-TR" dirty="0" smtClean="0"/>
+              <a:t>Diode Current and Voltage</a:t>
+            </a:r>
+            <a:endParaRPr lang="en-GB" dirty="0"/>
+          </a:p>
+        </p:txBody>
+      </p:sp>
+      <p:pic>
+        <p:nvPicPr>
+          <p:cNvPr id="2" name="Picture 1"/>
+          <p:cNvPicPr>
+            <a:picLocks noChangeAspect="1"/>
+          </p:cNvPicPr>
+          <p:nvPr/>
+        </p:nvPicPr>
+        <p:blipFill>
+          <a:blip r:embed="rId2">
+            <a:extLst>
+              <a:ext uri="{28A0092B-C50C-407E-A947-70E740481C1C}">
+                <a14:useLocalDpi xmlns:a14="http://schemas.microsoft.com/office/drawing/2010/main" val="0"/>
+              </a:ext>
+            </a:extLst>
+          </a:blip>
+          <a:stretch>
+            <a:fillRect/>
+          </a:stretch>
+        </p:blipFill>
+        <p:spPr>
+          <a:xfrm>
+            <a:off x="661307" y="206829"/>
+            <a:ext cx="11303954" cy="5581650"/>
+          </a:xfrm>
+          <a:prstGeom prst="rect">
+            <a:avLst/>
+          </a:prstGeom>
+        </p:spPr>
+      </p:pic>
+    </p:spTree>
+    <p:extLst>
+      <p:ext uri="{BB962C8B-B14F-4D97-AF65-F5344CB8AC3E}">
+        <p14:creationId xmlns:p14="http://schemas.microsoft.com/office/powerpoint/2010/main" val="4067275141"/>
+      </p:ext>
+    </p:extLst>
+  </p:cSld>
+  <p:clrMapOvr>
+    <a:masterClrMapping/>
+  </p:clrMapOvr>
+  <p:timing>
+    <p:tnLst>
+      <p:par>
+        <p:cTn id="1" dur="indefinite" restart="never" nodeType="tmRoot"/>
+      </p:par>
+    </p:tnLst>
+  </p:timing>
+</p:sld>
+</file>
+
+<file path=ppt/slides/slide16.xml><?xml version="1.0" encoding="utf-8"?>
+<p:sld xmlns:a="http://schemas.openxmlformats.org/drawingml/2006/main" xmlns:r="http://schemas.openxmlformats.org/officeDocument/2006/relationships" xmlns:p="http://schemas.openxmlformats.org/presentationml/2006/main">
+  <p:cSld>
+    <p:spTree>
+      <p:nvGrpSpPr>
+        <p:cNvPr id="1" name=""/>
+        <p:cNvGrpSpPr/>
+        <p:nvPr/>
+      </p:nvGrpSpPr>
+      <p:grpSpPr>
+        <a:xfrm>
+          <a:off x="0" y="0"/>
+          <a:ext cx="0" cy="0"/>
+          <a:chOff x="0" y="0"/>
+          <a:chExt cx="0" cy="0"/>
+        </a:xfrm>
+      </p:grpSpPr>
+      <p:sp>
+        <p:nvSpPr>
+          <p:cNvPr id="5" name="TextBox 4"/>
+          <p:cNvSpPr txBox="1"/>
+          <p:nvPr/>
+        </p:nvSpPr>
+        <p:spPr>
+          <a:xfrm>
+            <a:off x="4653645" y="5868015"/>
+            <a:ext cx="3722914" cy="369332"/>
+          </a:xfrm>
+          <a:prstGeom prst="rect">
+            <a:avLst/>
+          </a:prstGeom>
+          <a:noFill/>
+        </p:spPr>
+        <p:txBody>
+          <a:bodyPr wrap="square" rtlCol="0">
+            <a:spAutoFit/>
+          </a:bodyPr>
+          <a:lstStyle/>
+          <a:p>
+            <a:r>
+              <a:rPr lang="tr-TR" dirty="0" smtClean="0"/>
+              <a:t>MOSFET Current and Voltage</a:t>
+            </a:r>
+            <a:endParaRPr lang="en-GB" dirty="0"/>
+          </a:p>
+        </p:txBody>
+      </p:sp>
+      <p:pic>
+        <p:nvPicPr>
+          <p:cNvPr id="3" name="Picture 2"/>
+          <p:cNvPicPr>
+            <a:picLocks noChangeAspect="1"/>
+          </p:cNvPicPr>
+          <p:nvPr/>
+        </p:nvPicPr>
+        <p:blipFill>
+          <a:blip r:embed="rId2">
+            <a:extLst>
+              <a:ext uri="{28A0092B-C50C-407E-A947-70E740481C1C}">
+                <a14:useLocalDpi xmlns:a14="http://schemas.microsoft.com/office/drawing/2010/main" val="0"/>
+              </a:ext>
+            </a:extLst>
+          </a:blip>
+          <a:stretch>
+            <a:fillRect/>
+          </a:stretch>
+        </p:blipFill>
+        <p:spPr>
+          <a:xfrm>
+            <a:off x="424543" y="312963"/>
+            <a:ext cx="11286768" cy="5361215"/>
+          </a:xfrm>
+          <a:prstGeom prst="rect">
+            <a:avLst/>
+          </a:prstGeom>
+        </p:spPr>
+      </p:pic>
+    </p:spTree>
+    <p:extLst>
+      <p:ext uri="{BB962C8B-B14F-4D97-AF65-F5344CB8AC3E}">
+        <p14:creationId xmlns:p14="http://schemas.microsoft.com/office/powerpoint/2010/main" val="2222829816"/>
+      </p:ext>
+    </p:extLst>
+  </p:cSld>
+  <p:clrMapOvr>
+    <a:masterClrMapping/>
+  </p:clrMapOvr>
+  <p:timing>
+    <p:tnLst>
+      <p:par>
+        <p:cTn id="1" dur="indefinite" restart="never" nodeType="tmRoot"/>
+      </p:par>
+    </p:tnLst>
+  </p:timing>
+</p:sld>
+</file>
+
+<file path=ppt/slides/slide17.xml><?xml version="1.0" encoding="utf-8"?>
+<p:sld xmlns:a="http://schemas.openxmlformats.org/drawingml/2006/main" xmlns:r="http://schemas.openxmlformats.org/officeDocument/2006/relationships" xmlns:p="http://schemas.openxmlformats.org/presentationml/2006/main">
+  <p:cSld>
+    <p:spTree>
+      <p:nvGrpSpPr>
+        <p:cNvPr id="1" name=""/>
+        <p:cNvGrpSpPr/>
+        <p:nvPr/>
+      </p:nvGrpSpPr>
+      <p:grpSpPr>
+        <a:xfrm>
+          <a:off x="0" y="0"/>
+          <a:ext cx="0" cy="0"/>
+          <a:chOff x="0" y="0"/>
+          <a:chExt cx="0" cy="0"/>
+        </a:xfrm>
+      </p:grpSpPr>
+      <p:sp>
+        <p:nvSpPr>
+          <p:cNvPr id="2" name="Title 1"/>
+          <p:cNvSpPr>
+            <a:spLocks noGrp="1"/>
+          </p:cNvSpPr>
+          <p:nvPr>
+            <p:ph type="title"/>
+          </p:nvPr>
+        </p:nvSpPr>
+        <p:spPr>
+          <a:xfrm>
+            <a:off x="1069848" y="484633"/>
+            <a:ext cx="3689931" cy="380782"/>
+          </a:xfrm>
+        </p:spPr>
+        <p:txBody>
+          <a:bodyPr>
+            <a:normAutofit fontScale="90000"/>
+          </a:bodyPr>
+          <a:lstStyle/>
+          <a:p>
+            <a:r>
+              <a:rPr lang="tr-TR" dirty="0" smtClean="0"/>
+              <a:t>For V</a:t>
+            </a:r>
+            <a:r>
+              <a:rPr lang="tr-TR" sz="2000" dirty="0" smtClean="0"/>
+              <a:t>ın </a:t>
+            </a:r>
+            <a:r>
+              <a:rPr lang="tr-TR" sz="4200" dirty="0" smtClean="0"/>
+              <a:t>= </a:t>
+            </a:r>
+            <a:r>
+              <a:rPr lang="tr-TR" dirty="0" smtClean="0"/>
+              <a:t>48 V</a:t>
+            </a:r>
+            <a:endParaRPr lang="en-GB" dirty="0"/>
+          </a:p>
+        </p:txBody>
+      </p:sp>
+      <p:sp>
+        <p:nvSpPr>
+          <p:cNvPr id="5" name="TextBox 4"/>
+          <p:cNvSpPr txBox="1"/>
+          <p:nvPr/>
+        </p:nvSpPr>
+        <p:spPr>
+          <a:xfrm>
+            <a:off x="4490358" y="6366037"/>
+            <a:ext cx="3722914" cy="369332"/>
+          </a:xfrm>
+          <a:prstGeom prst="rect">
+            <a:avLst/>
+          </a:prstGeom>
+          <a:noFill/>
+        </p:spPr>
+        <p:txBody>
+          <a:bodyPr wrap="square" rtlCol="0">
+            <a:spAutoFit/>
+          </a:bodyPr>
+          <a:lstStyle/>
+          <a:p>
+            <a:r>
+              <a:rPr lang="tr-TR" dirty="0" smtClean="0"/>
+              <a:t>Output  Voltage</a:t>
+            </a:r>
+            <a:endParaRPr lang="en-GB" dirty="0"/>
+          </a:p>
+        </p:txBody>
+      </p:sp>
+      <p:pic>
+        <p:nvPicPr>
+          <p:cNvPr id="3" name="Picture 2"/>
+          <p:cNvPicPr>
+            <a:picLocks noChangeAspect="1"/>
+          </p:cNvPicPr>
+          <p:nvPr/>
+        </p:nvPicPr>
+        <p:blipFill>
+          <a:blip r:embed="rId2">
+            <a:extLst>
+              <a:ext uri="{28A0092B-C50C-407E-A947-70E740481C1C}">
+                <a14:useLocalDpi xmlns:a14="http://schemas.microsoft.com/office/drawing/2010/main" val="0"/>
+              </a:ext>
+            </a:extLst>
+          </a:blip>
+          <a:stretch>
+            <a:fillRect/>
+          </a:stretch>
+        </p:blipFill>
+        <p:spPr>
+          <a:xfrm>
+            <a:off x="636814" y="987425"/>
+            <a:ext cx="11075054" cy="5266418"/>
+          </a:xfrm>
+          <a:prstGeom prst="rect">
+            <a:avLst/>
+          </a:prstGeom>
+        </p:spPr>
+      </p:pic>
+    </p:spTree>
+    <p:extLst>
+      <p:ext uri="{BB962C8B-B14F-4D97-AF65-F5344CB8AC3E}">
+        <p14:creationId xmlns:p14="http://schemas.microsoft.com/office/powerpoint/2010/main" val="3476034501"/>
+      </p:ext>
+    </p:extLst>
+  </p:cSld>
+  <p:clrMapOvr>
+    <a:masterClrMapping/>
+  </p:clrMapOvr>
+  <p:timing>
+    <p:tnLst>
+      <p:par>
+        <p:cTn id="1" dur="indefinite" restart="never" nodeType="tmRoot"/>
+      </p:par>
+    </p:tnLst>
+  </p:timing>
+</p:sld>
+</file>
+
+<file path=ppt/slides/slide18.xml><?xml version="1.0" encoding="utf-8"?>
+<p:sld xmlns:a="http://schemas.openxmlformats.org/drawingml/2006/main" xmlns:r="http://schemas.openxmlformats.org/officeDocument/2006/relationships" xmlns:p="http://schemas.openxmlformats.org/presentationml/2006/main">
+  <p:cSld>
+    <p:spTree>
+      <p:nvGrpSpPr>
+        <p:cNvPr id="1" name=""/>
+        <p:cNvGrpSpPr/>
+        <p:nvPr/>
+      </p:nvGrpSpPr>
+      <p:grpSpPr>
+        <a:xfrm>
+          <a:off x="0" y="0"/>
+          <a:ext cx="0" cy="0"/>
+          <a:chOff x="0" y="0"/>
+          <a:chExt cx="0" cy="0"/>
+        </a:xfrm>
+      </p:grpSpPr>
+      <p:sp>
+        <p:nvSpPr>
+          <p:cNvPr id="5" name="TextBox 4"/>
+          <p:cNvSpPr txBox="1"/>
+          <p:nvPr/>
+        </p:nvSpPr>
+        <p:spPr>
+          <a:xfrm>
+            <a:off x="4653645" y="5868015"/>
+            <a:ext cx="3722914" cy="369332"/>
+          </a:xfrm>
+          <a:prstGeom prst="rect">
+            <a:avLst/>
+          </a:prstGeom>
+          <a:noFill/>
+        </p:spPr>
+        <p:txBody>
+          <a:bodyPr wrap="square" rtlCol="0">
+            <a:spAutoFit/>
+          </a:bodyPr>
+          <a:lstStyle/>
+          <a:p>
+            <a:r>
+              <a:rPr lang="tr-TR" dirty="0" smtClean="0"/>
+              <a:t>Output  Current</a:t>
+            </a:r>
+            <a:endParaRPr lang="en-GB" dirty="0"/>
+          </a:p>
+        </p:txBody>
+      </p:sp>
+      <p:pic>
+        <p:nvPicPr>
+          <p:cNvPr id="2" name="Picture 1"/>
+          <p:cNvPicPr>
+            <a:picLocks noChangeAspect="1"/>
+          </p:cNvPicPr>
+          <p:nvPr/>
+        </p:nvPicPr>
+        <p:blipFill>
+          <a:blip r:embed="rId2">
+            <a:extLst>
+              <a:ext uri="{28A0092B-C50C-407E-A947-70E740481C1C}">
+                <a14:useLocalDpi xmlns:a14="http://schemas.microsoft.com/office/drawing/2010/main" val="0"/>
+              </a:ext>
+            </a:extLst>
+          </a:blip>
+          <a:stretch>
+            <a:fillRect/>
+          </a:stretch>
+        </p:blipFill>
+        <p:spPr>
+          <a:xfrm>
+            <a:off x="253092" y="336095"/>
+            <a:ext cx="11607962" cy="5531919"/>
+          </a:xfrm>
+          <a:prstGeom prst="rect">
+            <a:avLst/>
+          </a:prstGeom>
+        </p:spPr>
+      </p:pic>
+    </p:spTree>
+    <p:extLst>
+      <p:ext uri="{BB962C8B-B14F-4D97-AF65-F5344CB8AC3E}">
+        <p14:creationId xmlns:p14="http://schemas.microsoft.com/office/powerpoint/2010/main" val="2644020047"/>
+      </p:ext>
+    </p:extLst>
+  </p:cSld>
+  <p:clrMapOvr>
+    <a:masterClrMapping/>
+  </p:clrMapOvr>
+  <p:timing>
+    <p:tnLst>
+      <p:par>
+        <p:cTn id="1" dur="indefinite" restart="never" nodeType="tmRoot"/>
+      </p:par>
+    </p:tnLst>
+  </p:timing>
+</p:sld>
+</file>
+
+<file path=ppt/slides/slide19.xml><?xml version="1.0" encoding="utf-8"?>
+<p:sld xmlns:a="http://schemas.openxmlformats.org/drawingml/2006/main" xmlns:r="http://schemas.openxmlformats.org/officeDocument/2006/relationships" xmlns:p="http://schemas.openxmlformats.org/presentationml/2006/main">
+  <p:cSld>
+    <p:spTree>
+      <p:nvGrpSpPr>
+        <p:cNvPr id="1" name=""/>
+        <p:cNvGrpSpPr/>
+        <p:nvPr/>
+      </p:nvGrpSpPr>
+      <p:grpSpPr>
+        <a:xfrm>
+          <a:off x="0" y="0"/>
+          <a:ext cx="0" cy="0"/>
+          <a:chOff x="0" y="0"/>
+          <a:chExt cx="0" cy="0"/>
+        </a:xfrm>
+      </p:grpSpPr>
+      <p:sp>
+        <p:nvSpPr>
+          <p:cNvPr id="5" name="TextBox 4"/>
+          <p:cNvSpPr txBox="1"/>
+          <p:nvPr/>
+        </p:nvSpPr>
+        <p:spPr>
+          <a:xfrm>
+            <a:off x="4653645" y="6072122"/>
+            <a:ext cx="3722914" cy="369332"/>
+          </a:xfrm>
+          <a:prstGeom prst="rect">
+            <a:avLst/>
+          </a:prstGeom>
+          <a:noFill/>
+        </p:spPr>
+        <p:txBody>
+          <a:bodyPr wrap="square" rtlCol="0">
+            <a:spAutoFit/>
+          </a:bodyPr>
+          <a:lstStyle/>
+          <a:p>
+            <a:r>
+              <a:rPr lang="tr-TR" dirty="0" smtClean="0"/>
+              <a:t>Input  Current</a:t>
+            </a:r>
+            <a:endParaRPr lang="en-GB" dirty="0"/>
+          </a:p>
+        </p:txBody>
+      </p:sp>
+      <p:pic>
+        <p:nvPicPr>
+          <p:cNvPr id="3" name="Picture 2"/>
+          <p:cNvPicPr>
+            <a:picLocks noChangeAspect="1"/>
+          </p:cNvPicPr>
+          <p:nvPr/>
+        </p:nvPicPr>
+        <p:blipFill>
+          <a:blip r:embed="rId2">
+            <a:extLst>
+              <a:ext uri="{28A0092B-C50C-407E-A947-70E740481C1C}">
+                <a14:useLocalDpi xmlns:a14="http://schemas.microsoft.com/office/drawing/2010/main" val="0"/>
+              </a:ext>
+            </a:extLst>
+          </a:blip>
+          <a:stretch>
+            <a:fillRect/>
+          </a:stretch>
+        </p:blipFill>
+        <p:spPr>
+          <a:xfrm>
+            <a:off x="122464" y="527050"/>
+            <a:ext cx="11648291" cy="5545072"/>
+          </a:xfrm>
+          <a:prstGeom prst="rect">
+            <a:avLst/>
+          </a:prstGeom>
+        </p:spPr>
+      </p:pic>
+    </p:spTree>
+    <p:extLst>
+      <p:ext uri="{BB962C8B-B14F-4D97-AF65-F5344CB8AC3E}">
+        <p14:creationId xmlns:p14="http://schemas.microsoft.com/office/powerpoint/2010/main" val="2556434103"/>
+      </p:ext>
+    </p:extLst>
+  </p:cSld>
+  <p:clrMapOvr>
+    <a:masterClrMapping/>
+  </p:clrMapOvr>
+  <p:timing>
+    <p:tnLst>
+      <p:par>
+        <p:cTn id="1" dur="indefinite" restart="never" nodeType="tmRoot"/>
+      </p:par>
+    </p:tnLst>
+  </p:timing>
 </p:sld>
 </file>
 
@@ -4934,10 +5879,10 @@
           <p:cNvPr id="13" name="Rectangle 7">
             <a:extLst>
               <a:ext uri="{FF2B5EF4-FFF2-40B4-BE49-F238E27FC236}">
-                <a16:creationId xmlns:a16="http://schemas.microsoft.com/office/drawing/2014/main" id="{E009DD9B-5EE2-4C0D-8B2B-351C8C102205}"/>
+                <a16:creationId xmlns:a16="http://schemas.microsoft.com/office/drawing/2014/main" xmlns="" id="{E009DD9B-5EE2-4C0D-8B2B-351C8C102205}"/>
               </a:ext>
               <a:ext uri="{C183D7F6-B498-43B3-948B-1728B52AA6E4}">
-                <adec:decorative xmlns:adec="http://schemas.microsoft.com/office/drawing/2017/decorative" val="1"/>
+                <adec:decorative xmlns:adec="http://schemas.microsoft.com/office/drawing/2017/decorative" xmlns="" val="1"/>
               </a:ext>
             </a:extLst>
           </p:cNvPr>
@@ -4947,7 +5892,7 @@
           <p:nvPr>
             <p:extLst>
               <p:ext uri="{386F3935-93C4-4BCD-93E2-E3B085C9AB24}">
-                <p16:designElem xmlns:p16="http://schemas.microsoft.com/office/powerpoint/2015/main" val="1"/>
+                <p16:designElem xmlns:p16="http://schemas.microsoft.com/office/powerpoint/2015/main" xmlns="" val="1"/>
               </p:ext>
             </p:extLst>
           </p:nvPr>
@@ -4994,10 +5939,10 @@
           <p:cNvPr id="15" name="Rectangle 9">
             <a:extLst>
               <a:ext uri="{FF2B5EF4-FFF2-40B4-BE49-F238E27FC236}">
-                <a16:creationId xmlns:a16="http://schemas.microsoft.com/office/drawing/2014/main" id="{E720DB99-7745-4E75-9D96-AAB6D55C531E}"/>
+                <a16:creationId xmlns:a16="http://schemas.microsoft.com/office/drawing/2014/main" xmlns="" id="{E720DB99-7745-4E75-9D96-AAB6D55C531E}"/>
               </a:ext>
               <a:ext uri="{C183D7F6-B498-43B3-948B-1728B52AA6E4}">
-                <adec:decorative xmlns:adec="http://schemas.microsoft.com/office/drawing/2017/decorative" val="1"/>
+                <adec:decorative xmlns:adec="http://schemas.microsoft.com/office/drawing/2017/decorative" xmlns="" val="1"/>
               </a:ext>
             </a:extLst>
           </p:cNvPr>
@@ -5007,7 +5952,7 @@
           <p:nvPr>
             <p:extLst>
               <p:ext uri="{386F3935-93C4-4BCD-93E2-E3B085C9AB24}">
-                <p16:designElem xmlns:p16="http://schemas.microsoft.com/office/powerpoint/2015/main" val="1"/>
+                <p16:designElem xmlns:p16="http://schemas.microsoft.com/office/powerpoint/2015/main" xmlns="" val="1"/>
               </p:ext>
             </p:extLst>
           </p:nvPr>
@@ -5068,10 +6013,10 @@
           <p:cNvPr id="12" name="Rectangle 11">
             <a:extLst>
               <a:ext uri="{FF2B5EF4-FFF2-40B4-BE49-F238E27FC236}">
-                <a16:creationId xmlns:a16="http://schemas.microsoft.com/office/drawing/2014/main" id="{D68803C4-E159-4360-B7BB-74205C8F782D}"/>
+                <a16:creationId xmlns:a16="http://schemas.microsoft.com/office/drawing/2014/main" xmlns="" id="{D68803C4-E159-4360-B7BB-74205C8F782D}"/>
               </a:ext>
               <a:ext uri="{C183D7F6-B498-43B3-948B-1728B52AA6E4}">
-                <adec:decorative xmlns:adec="http://schemas.microsoft.com/office/drawing/2017/decorative" val="1"/>
+                <adec:decorative xmlns:adec="http://schemas.microsoft.com/office/drawing/2017/decorative" xmlns="" val="1"/>
               </a:ext>
             </a:extLst>
           </p:cNvPr>
@@ -5081,7 +6026,7 @@
           <p:nvPr>
             <p:extLst>
               <p:ext uri="{386F3935-93C4-4BCD-93E2-E3B085C9AB24}">
-                <p16:designElem xmlns:p16="http://schemas.microsoft.com/office/powerpoint/2015/main" val="1"/>
+                <p16:designElem xmlns:p16="http://schemas.microsoft.com/office/powerpoint/2015/main" xmlns="" val="1"/>
               </p:ext>
             </p:extLst>
           </p:nvPr>
@@ -5142,10 +6087,10 @@
           <p:cNvPr id="14" name="Rectangle 13">
             <a:extLst>
               <a:ext uri="{FF2B5EF4-FFF2-40B4-BE49-F238E27FC236}">
-                <a16:creationId xmlns:a16="http://schemas.microsoft.com/office/drawing/2014/main" id="{504B0465-3B07-49BF-BEA7-D81476246293}"/>
+                <a16:creationId xmlns:a16="http://schemas.microsoft.com/office/drawing/2014/main" xmlns="" id="{504B0465-3B07-49BF-BEA7-D81476246293}"/>
               </a:ext>
               <a:ext uri="{C183D7F6-B498-43B3-948B-1728B52AA6E4}">
-                <adec:decorative xmlns:adec="http://schemas.microsoft.com/office/drawing/2017/decorative" val="1"/>
+                <adec:decorative xmlns:adec="http://schemas.microsoft.com/office/drawing/2017/decorative" xmlns="" val="1"/>
               </a:ext>
             </a:extLst>
           </p:cNvPr>
@@ -5155,7 +6100,7 @@
           <p:nvPr>
             <p:extLst>
               <p:ext uri="{386F3935-93C4-4BCD-93E2-E3B085C9AB24}">
-                <p16:designElem xmlns:p16="http://schemas.microsoft.com/office/powerpoint/2015/main" val="1"/>
+                <p16:designElem xmlns:p16="http://schemas.microsoft.com/office/powerpoint/2015/main" xmlns="" val="1"/>
               </p:ext>
             </p:extLst>
           </p:nvPr>
@@ -5216,7 +6161,7 @@
           <p:cNvPr id="2" name="Unvan 1">
             <a:extLst>
               <a:ext uri="{FF2B5EF4-FFF2-40B4-BE49-F238E27FC236}">
-                <a16:creationId xmlns:a16="http://schemas.microsoft.com/office/drawing/2014/main" id="{B637C778-A266-4311-824E-3E90E53C8CBE}"/>
+                <a16:creationId xmlns:a16="http://schemas.microsoft.com/office/drawing/2014/main" xmlns="" id="{B637C778-A266-4311-824E-3E90E53C8CBE}"/>
               </a:ext>
             </a:extLst>
           </p:cNvPr>
@@ -5254,7 +6199,7 @@
               <p:cNvPr id="3" name="İçerik Yer Tutucusu 2">
                 <a:extLst>
                   <a:ext uri="{FF2B5EF4-FFF2-40B4-BE49-F238E27FC236}">
-                    <a16:creationId xmlns:a16="http://schemas.microsoft.com/office/drawing/2014/main" id="{776B6215-509A-4140-94C9-8EBA5BD6B981}"/>
+                    <a16:creationId xmlns:a16="http://schemas.microsoft.com/office/drawing/2014/main" xmlns="" id="{776B6215-509A-4140-94C9-8EBA5BD6B981}"/>
                   </a:ext>
                 </a:extLst>
               </p:cNvPr>
@@ -6533,6 +7478,207 @@
   <p:clrMapOvr>
     <a:masterClrMapping/>
   </p:clrMapOvr>
+  <p:timing>
+    <p:tnLst>
+      <p:par>
+        <p:cTn id="1" dur="indefinite" restart="never" nodeType="tmRoot"/>
+      </p:par>
+    </p:tnLst>
+  </p:timing>
+</p:sld>
+</file>
+
+<file path=ppt/slides/slide20.xml><?xml version="1.0" encoding="utf-8"?>
+<p:sld xmlns:a="http://schemas.openxmlformats.org/drawingml/2006/main" xmlns:r="http://schemas.openxmlformats.org/officeDocument/2006/relationships" xmlns:p="http://schemas.openxmlformats.org/presentationml/2006/main">
+  <p:cSld>
+    <p:spTree>
+      <p:nvGrpSpPr>
+        <p:cNvPr id="1" name=""/>
+        <p:cNvGrpSpPr/>
+        <p:nvPr/>
+      </p:nvGrpSpPr>
+      <p:grpSpPr>
+        <a:xfrm>
+          <a:off x="0" y="0"/>
+          <a:ext cx="0" cy="0"/>
+          <a:chOff x="0" y="0"/>
+          <a:chExt cx="0" cy="0"/>
+        </a:xfrm>
+      </p:grpSpPr>
+      <p:sp>
+        <p:nvSpPr>
+          <p:cNvPr id="5" name="TextBox 4"/>
+          <p:cNvSpPr txBox="1"/>
+          <p:nvPr/>
+        </p:nvSpPr>
+        <p:spPr>
+          <a:xfrm>
+            <a:off x="4653645" y="6039465"/>
+            <a:ext cx="3722914" cy="369332"/>
+          </a:xfrm>
+          <a:prstGeom prst="rect">
+            <a:avLst/>
+          </a:prstGeom>
+          <a:noFill/>
+        </p:spPr>
+        <p:txBody>
+          <a:bodyPr wrap="square" rtlCol="0">
+            <a:spAutoFit/>
+          </a:bodyPr>
+          <a:lstStyle/>
+          <a:p>
+            <a:r>
+              <a:rPr lang="tr-TR" dirty="0" smtClean="0"/>
+              <a:t>Diode Current and Voltage</a:t>
+            </a:r>
+            <a:endParaRPr lang="en-GB" dirty="0"/>
+          </a:p>
+        </p:txBody>
+      </p:sp>
+      <p:pic>
+        <p:nvPicPr>
+          <p:cNvPr id="3" name="Picture 2"/>
+          <p:cNvPicPr>
+            <a:picLocks noChangeAspect="1"/>
+          </p:cNvPicPr>
+          <p:nvPr/>
+        </p:nvPicPr>
+        <p:blipFill>
+          <a:blip r:embed="rId2">
+            <a:extLst>
+              <a:ext uri="{28A0092B-C50C-407E-A947-70E740481C1C}">
+                <a14:useLocalDpi xmlns:a14="http://schemas.microsoft.com/office/drawing/2010/main" val="0"/>
+              </a:ext>
+            </a:extLst>
+          </a:blip>
+          <a:stretch>
+            <a:fillRect/>
+          </a:stretch>
+        </p:blipFill>
+        <p:spPr>
+          <a:xfrm>
+            <a:off x="367393" y="508906"/>
+            <a:ext cx="11643282" cy="5530559"/>
+          </a:xfrm>
+          <a:prstGeom prst="rect">
+            <a:avLst/>
+          </a:prstGeom>
+        </p:spPr>
+      </p:pic>
+    </p:spTree>
+    <p:extLst>
+      <p:ext uri="{BB962C8B-B14F-4D97-AF65-F5344CB8AC3E}">
+        <p14:creationId xmlns:p14="http://schemas.microsoft.com/office/powerpoint/2010/main" val="475378459"/>
+      </p:ext>
+    </p:extLst>
+  </p:cSld>
+  <p:clrMapOvr>
+    <a:masterClrMapping/>
+  </p:clrMapOvr>
+  <p:timing>
+    <p:tnLst>
+      <p:par>
+        <p:cTn id="1" dur="indefinite" restart="never" nodeType="tmRoot"/>
+      </p:par>
+    </p:tnLst>
+  </p:timing>
+</p:sld>
+</file>
+
+<file path=ppt/slides/slide21.xml><?xml version="1.0" encoding="utf-8"?>
+<p:sld xmlns:a="http://schemas.openxmlformats.org/drawingml/2006/main" xmlns:r="http://schemas.openxmlformats.org/officeDocument/2006/relationships" xmlns:p="http://schemas.openxmlformats.org/presentationml/2006/main">
+  <p:cSld>
+    <p:spTree>
+      <p:nvGrpSpPr>
+        <p:cNvPr id="1" name=""/>
+        <p:cNvGrpSpPr/>
+        <p:nvPr/>
+      </p:nvGrpSpPr>
+      <p:grpSpPr>
+        <a:xfrm>
+          <a:off x="0" y="0"/>
+          <a:ext cx="0" cy="0"/>
+          <a:chOff x="0" y="0"/>
+          <a:chExt cx="0" cy="0"/>
+        </a:xfrm>
+      </p:grpSpPr>
+      <p:sp>
+        <p:nvSpPr>
+          <p:cNvPr id="5" name="TextBox 4"/>
+          <p:cNvSpPr txBox="1"/>
+          <p:nvPr/>
+        </p:nvSpPr>
+        <p:spPr>
+          <a:xfrm>
+            <a:off x="4653645" y="6080287"/>
+            <a:ext cx="3722914" cy="369332"/>
+          </a:xfrm>
+          <a:prstGeom prst="rect">
+            <a:avLst/>
+          </a:prstGeom>
+          <a:noFill/>
+        </p:spPr>
+        <p:txBody>
+          <a:bodyPr wrap="square" rtlCol="0">
+            <a:spAutoFit/>
+          </a:bodyPr>
+          <a:lstStyle/>
+          <a:p>
+            <a:r>
+              <a:rPr lang="tr-TR" dirty="0" smtClean="0"/>
+              <a:t>MOSFET Current and Voltage</a:t>
+            </a:r>
+            <a:endParaRPr lang="en-GB" dirty="0"/>
+          </a:p>
+        </p:txBody>
+      </p:sp>
+      <p:pic>
+        <p:nvPicPr>
+          <p:cNvPr id="2" name="Picture 1"/>
+          <p:cNvPicPr>
+            <a:picLocks noChangeAspect="1"/>
+          </p:cNvPicPr>
+          <p:nvPr/>
+        </p:nvPicPr>
+        <p:blipFill>
+          <a:blip r:embed="rId2">
+            <a:extLst>
+              <a:ext uri="{28A0092B-C50C-407E-A947-70E740481C1C}">
+                <a14:useLocalDpi xmlns:a14="http://schemas.microsoft.com/office/drawing/2010/main" val="0"/>
+              </a:ext>
+            </a:extLst>
+          </a:blip>
+          <a:stretch>
+            <a:fillRect/>
+          </a:stretch>
+        </p:blipFill>
+        <p:spPr>
+          <a:xfrm>
+            <a:off x="383720" y="464910"/>
+            <a:ext cx="11504283" cy="5470525"/>
+          </a:xfrm>
+          <a:prstGeom prst="rect">
+            <a:avLst/>
+          </a:prstGeom>
+        </p:spPr>
+      </p:pic>
+    </p:spTree>
+    <p:extLst>
+      <p:ext uri="{BB962C8B-B14F-4D97-AF65-F5344CB8AC3E}">
+        <p14:creationId xmlns:p14="http://schemas.microsoft.com/office/powerpoint/2010/main" val="2674871607"/>
+      </p:ext>
+    </p:extLst>
+  </p:cSld>
+  <p:clrMapOvr>
+    <a:masterClrMapping/>
+  </p:clrMapOvr>
+  <p:timing>
+    <p:tnLst>
+      <p:par>
+        <p:cTn id="1" dur="indefinite" restart="never" nodeType="tmRoot"/>
+      </p:par>
+    </p:tnLst>
+  </p:timing>
 </p:sld>
 </file>
 
@@ -6553,14 +7699,14 @@
           <a:chExt cx="0" cy="0"/>
         </a:xfrm>
       </p:grpSpPr>
-      <mc:AlternateContent xmlns:mc="http://schemas.openxmlformats.org/markup-compatibility/2006">
-        <mc:Choice xmlns:a14="http://schemas.microsoft.com/office/drawing/2010/main" Requires="a14">
+      <mc:AlternateContent xmlns:mc="http://schemas.openxmlformats.org/markup-compatibility/2006" xmlns:a14="http://schemas.microsoft.com/office/drawing/2010/main">
+        <mc:Choice Requires="a14">
           <p:sp>
             <p:nvSpPr>
               <p:cNvPr id="3" name="İçerik Yer Tutucusu 2">
                 <a:extLst>
                   <a:ext uri="{FF2B5EF4-FFF2-40B4-BE49-F238E27FC236}">
-                    <a16:creationId xmlns:a16="http://schemas.microsoft.com/office/drawing/2014/main" id="{A680B25C-EA1E-440B-8BE7-A2C5391077B1}"/>
+                    <a16:creationId xmlns:a16="http://schemas.microsoft.com/office/drawing/2014/main" xmlns="" id="{A680B25C-EA1E-440B-8BE7-A2C5391077B1}"/>
                   </a:ext>
                 </a:extLst>
               </p:cNvPr>
@@ -7190,7 +8336,7 @@
             </p:txBody>
           </p:sp>
         </mc:Choice>
-        <mc:Fallback>
+        <mc:Fallback xmlns="">
           <p:sp>
             <p:nvSpPr>
               <p:cNvPr id="3" name="İçerik Yer Tutucusu 2">
@@ -7239,7 +8385,7 @@
           <p:cNvPr id="4" name="Resim 3">
             <a:extLst>
               <a:ext uri="{FF2B5EF4-FFF2-40B4-BE49-F238E27FC236}">
-                <a16:creationId xmlns:a16="http://schemas.microsoft.com/office/drawing/2014/main" id="{7F5E0104-1D3A-42C6-A655-1AD79F29B011}"/>
+                <a16:creationId xmlns:a16="http://schemas.microsoft.com/office/drawing/2014/main" xmlns="" id="{7F5E0104-1D3A-42C6-A655-1AD79F29B011}"/>
               </a:ext>
             </a:extLst>
           </p:cNvPr>
@@ -7268,7 +8414,7 @@
           <p:cNvPr id="5" name="Resim 4">
             <a:extLst>
               <a:ext uri="{FF2B5EF4-FFF2-40B4-BE49-F238E27FC236}">
-                <a16:creationId xmlns:a16="http://schemas.microsoft.com/office/drawing/2014/main" id="{B5481AD1-491D-41C9-99BA-044CE962D793}"/>
+                <a16:creationId xmlns:a16="http://schemas.microsoft.com/office/drawing/2014/main" xmlns="" id="{B5481AD1-491D-41C9-99BA-044CE962D793}"/>
               </a:ext>
             </a:extLst>
           </p:cNvPr>
@@ -7303,6 +8449,13 @@
   <p:clrMapOvr>
     <a:masterClrMapping/>
   </p:clrMapOvr>
+  <p:timing>
+    <p:tnLst>
+      <p:par>
+        <p:cTn id="1" dur="indefinite" restart="never" nodeType="tmRoot"/>
+      </p:par>
+    </p:tnLst>
+  </p:timing>
 </p:sld>
 </file>
 
@@ -7339,10 +8492,10 @@
           <p:cNvPr id="8" name="Rectangle 7">
             <a:extLst>
               <a:ext uri="{FF2B5EF4-FFF2-40B4-BE49-F238E27FC236}">
-                <a16:creationId xmlns:a16="http://schemas.microsoft.com/office/drawing/2014/main" id="{074115D6-2095-488F-B11F-EC21F55120E0}"/>
+                <a16:creationId xmlns:a16="http://schemas.microsoft.com/office/drawing/2014/main" xmlns="" id="{074115D6-2095-488F-B11F-EC21F55120E0}"/>
               </a:ext>
               <a:ext uri="{C183D7F6-B498-43B3-948B-1728B52AA6E4}">
-                <adec:decorative xmlns:adec="http://schemas.microsoft.com/office/drawing/2017/decorative" val="1"/>
+                <adec:decorative xmlns:adec="http://schemas.microsoft.com/office/drawing/2017/decorative" xmlns="" val="1"/>
               </a:ext>
             </a:extLst>
           </p:cNvPr>
@@ -7352,7 +8505,7 @@
           <p:nvPr>
             <p:extLst>
               <p:ext uri="{386F3935-93C4-4BCD-93E2-E3B085C9AB24}">
-                <p16:designElem xmlns:p16="http://schemas.microsoft.com/office/powerpoint/2015/main" val="1"/>
+                <p16:designElem xmlns:p16="http://schemas.microsoft.com/office/powerpoint/2015/main" xmlns="" val="1"/>
               </p:ext>
             </p:extLst>
           </p:nvPr>
@@ -7399,10 +8552,10 @@
           <p:cNvPr id="10" name="Rectangle 9">
             <a:extLst>
               <a:ext uri="{FF2B5EF4-FFF2-40B4-BE49-F238E27FC236}">
-                <a16:creationId xmlns:a16="http://schemas.microsoft.com/office/drawing/2014/main" id="{6BA17954-54E0-419C-92D3-4C4775A817D8}"/>
+                <a16:creationId xmlns:a16="http://schemas.microsoft.com/office/drawing/2014/main" xmlns="" id="{6BA17954-54E0-419C-92D3-4C4775A817D8}"/>
               </a:ext>
               <a:ext uri="{C183D7F6-B498-43B3-948B-1728B52AA6E4}">
-                <adec:decorative xmlns:adec="http://schemas.microsoft.com/office/drawing/2017/decorative" val="1"/>
+                <adec:decorative xmlns:adec="http://schemas.microsoft.com/office/drawing/2017/decorative" xmlns="" val="1"/>
               </a:ext>
             </a:extLst>
           </p:cNvPr>
@@ -7412,7 +8565,7 @@
           <p:nvPr>
             <p:extLst>
               <p:ext uri="{386F3935-93C4-4BCD-93E2-E3B085C9AB24}">
-                <p16:designElem xmlns:p16="http://schemas.microsoft.com/office/powerpoint/2015/main" val="1"/>
+                <p16:designElem xmlns:p16="http://schemas.microsoft.com/office/powerpoint/2015/main" xmlns="" val="1"/>
               </p:ext>
             </p:extLst>
           </p:nvPr>
@@ -7462,10 +8615,10 @@
           <p:cNvPr id="12" name="Rectangle 11">
             <a:extLst>
               <a:ext uri="{FF2B5EF4-FFF2-40B4-BE49-F238E27FC236}">
-                <a16:creationId xmlns:a16="http://schemas.microsoft.com/office/drawing/2014/main" id="{523C5163-DFEA-4D68-AF8F-A6BD6B674457}"/>
+                <a16:creationId xmlns:a16="http://schemas.microsoft.com/office/drawing/2014/main" xmlns="" id="{523C5163-DFEA-4D68-AF8F-A6BD6B674457}"/>
               </a:ext>
               <a:ext uri="{C183D7F6-B498-43B3-948B-1728B52AA6E4}">
-                <adec:decorative xmlns:adec="http://schemas.microsoft.com/office/drawing/2017/decorative" val="1"/>
+                <adec:decorative xmlns:adec="http://schemas.microsoft.com/office/drawing/2017/decorative" xmlns="" val="1"/>
               </a:ext>
             </a:extLst>
           </p:cNvPr>
@@ -7475,7 +8628,7 @@
           <p:nvPr>
             <p:extLst>
               <p:ext uri="{386F3935-93C4-4BCD-93E2-E3B085C9AB24}">
-                <p16:designElem xmlns:p16="http://schemas.microsoft.com/office/powerpoint/2015/main" val="1"/>
+                <p16:designElem xmlns:p16="http://schemas.microsoft.com/office/powerpoint/2015/main" xmlns="" val="1"/>
               </p:ext>
             </p:extLst>
           </p:nvPr>
@@ -7517,14 +8670,14 @@
           </a:p>
         </p:txBody>
       </p:sp>
-      <mc:AlternateContent xmlns:mc="http://schemas.openxmlformats.org/markup-compatibility/2006">
-        <mc:Choice xmlns:a14="http://schemas.microsoft.com/office/drawing/2010/main" Requires="a14">
+      <mc:AlternateContent xmlns:mc="http://schemas.openxmlformats.org/markup-compatibility/2006" xmlns:a14="http://schemas.microsoft.com/office/drawing/2010/main">
+        <mc:Choice Requires="a14">
           <p:sp>
             <p:nvSpPr>
               <p:cNvPr id="3" name="İçerik Yer Tutucusu 2">
                 <a:extLst>
                   <a:ext uri="{FF2B5EF4-FFF2-40B4-BE49-F238E27FC236}">
-                    <a16:creationId xmlns:a16="http://schemas.microsoft.com/office/drawing/2014/main" id="{F93D4174-8187-4EBB-AC81-DF18E4B2414A}"/>
+                    <a16:creationId xmlns:a16="http://schemas.microsoft.com/office/drawing/2014/main" xmlns="" id="{F93D4174-8187-4EBB-AC81-DF18E4B2414A}"/>
                   </a:ext>
                 </a:extLst>
               </p:cNvPr>
@@ -8698,7 +9851,7 @@
             </p:txBody>
           </p:sp>
         </mc:Choice>
-        <mc:Fallback>
+        <mc:Fallback xmlns="">
           <p:sp>
             <p:nvSpPr>
               <p:cNvPr id="3" name="İçerik Yer Tutucusu 2">
@@ -8747,10 +9900,10 @@
           <p:cNvPr id="14" name="Rectangle 13">
             <a:extLst>
               <a:ext uri="{FF2B5EF4-FFF2-40B4-BE49-F238E27FC236}">
-                <a16:creationId xmlns:a16="http://schemas.microsoft.com/office/drawing/2014/main" id="{51DD55B3-5910-4D84-8A2E-B22ED522456D}"/>
+                <a16:creationId xmlns:a16="http://schemas.microsoft.com/office/drawing/2014/main" xmlns="" id="{51DD55B3-5910-4D84-8A2E-B22ED522456D}"/>
               </a:ext>
               <a:ext uri="{C183D7F6-B498-43B3-948B-1728B52AA6E4}">
-                <adec:decorative xmlns:adec="http://schemas.microsoft.com/office/drawing/2017/decorative" val="1"/>
+                <adec:decorative xmlns:adec="http://schemas.microsoft.com/office/drawing/2017/decorative" xmlns="" val="1"/>
               </a:ext>
             </a:extLst>
           </p:cNvPr>
@@ -8760,7 +9913,7 @@
           <p:nvPr>
             <p:extLst>
               <p:ext uri="{386F3935-93C4-4BCD-93E2-E3B085C9AB24}">
-                <p16:designElem xmlns:p16="http://schemas.microsoft.com/office/powerpoint/2015/main" val="1"/>
+                <p16:designElem xmlns:p16="http://schemas.microsoft.com/office/powerpoint/2015/main" xmlns="" val="1"/>
               </p:ext>
             </p:extLst>
           </p:nvPr>
@@ -8829,10 +9982,10 @@
           <p:cNvPr id="16" name="Oval 15">
             <a:extLst>
               <a:ext uri="{FF2B5EF4-FFF2-40B4-BE49-F238E27FC236}">
-                <a16:creationId xmlns:a16="http://schemas.microsoft.com/office/drawing/2014/main" id="{ADB604F7-477D-4337-9D86-3CAD38162001}"/>
+                <a16:creationId xmlns:a16="http://schemas.microsoft.com/office/drawing/2014/main" xmlns="" id="{ADB604F7-477D-4337-9D86-3CAD38162001}"/>
               </a:ext>
               <a:ext uri="{C183D7F6-B498-43B3-948B-1728B52AA6E4}">
-                <adec:decorative xmlns:adec="http://schemas.microsoft.com/office/drawing/2017/decorative" val="1"/>
+                <adec:decorative xmlns:adec="http://schemas.microsoft.com/office/drawing/2017/decorative" xmlns="" val="1"/>
               </a:ext>
             </a:extLst>
           </p:cNvPr>
@@ -8842,7 +9995,7 @@
           <p:nvPr>
             <p:extLst>
               <p:ext uri="{386F3935-93C4-4BCD-93E2-E3B085C9AB24}">
-                <p16:designElem xmlns:p16="http://schemas.microsoft.com/office/powerpoint/2015/main" val="1"/>
+                <p16:designElem xmlns:p16="http://schemas.microsoft.com/office/powerpoint/2015/main" xmlns="" val="1"/>
               </p:ext>
             </p:extLst>
           </p:nvPr>
@@ -8918,10 +10071,10 @@
           <p:cNvPr id="18" name="Oval 17">
             <a:extLst>
               <a:ext uri="{FF2B5EF4-FFF2-40B4-BE49-F238E27FC236}">
-                <a16:creationId xmlns:a16="http://schemas.microsoft.com/office/drawing/2014/main" id="{B4736A5E-48AC-496F-AB60-5F0FBB31B2F7}"/>
+                <a16:creationId xmlns:a16="http://schemas.microsoft.com/office/drawing/2014/main" xmlns="" id="{B4736A5E-48AC-496F-AB60-5F0FBB31B2F7}"/>
               </a:ext>
               <a:ext uri="{C183D7F6-B498-43B3-948B-1728B52AA6E4}">
-                <adec:decorative xmlns:adec="http://schemas.microsoft.com/office/drawing/2017/decorative" val="1"/>
+                <adec:decorative xmlns:adec="http://schemas.microsoft.com/office/drawing/2017/decorative" xmlns="" val="1"/>
               </a:ext>
             </a:extLst>
           </p:cNvPr>
@@ -8931,7 +10084,7 @@
           <p:nvPr>
             <p:extLst>
               <p:ext uri="{386F3935-93C4-4BCD-93E2-E3B085C9AB24}">
-                <p16:designElem xmlns:p16="http://schemas.microsoft.com/office/powerpoint/2015/main" val="1"/>
+                <p16:designElem xmlns:p16="http://schemas.microsoft.com/office/powerpoint/2015/main" xmlns="" val="1"/>
               </p:ext>
             </p:extLst>
           </p:nvPr>
@@ -8996,7 +10149,7 @@
           <p:cNvPr id="4" name="Resim 3">
             <a:extLst>
               <a:ext uri="{FF2B5EF4-FFF2-40B4-BE49-F238E27FC236}">
-                <a16:creationId xmlns:a16="http://schemas.microsoft.com/office/drawing/2014/main" id="{832B34B7-4759-4691-BB21-D637F6B00C08}"/>
+                <a16:creationId xmlns:a16="http://schemas.microsoft.com/office/drawing/2014/main" xmlns="" id="{832B34B7-4759-4691-BB21-D637F6B00C08}"/>
               </a:ext>
             </a:extLst>
           </p:cNvPr>
@@ -9031,6 +10184,13 @@
   <p:clrMapOvr>
     <a:overrideClrMapping bg1="dk1" tx1="lt1" bg2="dk2" tx2="lt2" accent1="accent1" accent2="accent2" accent3="accent3" accent4="accent4" accent5="accent5" accent6="accent6" hlink="hlink" folHlink="folHlink"/>
   </p:clrMapOvr>
+  <p:timing>
+    <p:tnLst>
+      <p:par>
+        <p:cTn id="1" dur="indefinite" restart="never" nodeType="tmRoot"/>
+      </p:par>
+    </p:tnLst>
+  </p:timing>
 </p:sld>
 </file>
 
@@ -9064,7 +10224,7 @@
           <p:cNvPr id="4" name="Resim 3">
             <a:extLst>
               <a:ext uri="{FF2B5EF4-FFF2-40B4-BE49-F238E27FC236}">
-                <a16:creationId xmlns:a16="http://schemas.microsoft.com/office/drawing/2014/main" id="{E7C0B0D9-D923-4244-812A-0293028C5CA8}"/>
+                <a16:creationId xmlns:a16="http://schemas.microsoft.com/office/drawing/2014/main" xmlns="" id="{E7C0B0D9-D923-4244-812A-0293028C5CA8}"/>
               </a:ext>
             </a:extLst>
           </p:cNvPr>
@@ -9093,10 +10253,10 @@
           <p:cNvPr id="9" name="Rectangle 8">
             <a:extLst>
               <a:ext uri="{FF2B5EF4-FFF2-40B4-BE49-F238E27FC236}">
-                <a16:creationId xmlns:a16="http://schemas.microsoft.com/office/drawing/2014/main" id="{F79FF99C-BAA9-404F-9C96-6DD456B4F795}"/>
+                <a16:creationId xmlns:a16="http://schemas.microsoft.com/office/drawing/2014/main" xmlns="" id="{F79FF99C-BAA9-404F-9C96-6DD456B4F795}"/>
               </a:ext>
               <a:ext uri="{C183D7F6-B498-43B3-948B-1728B52AA6E4}">
-                <adec:decorative xmlns:adec="http://schemas.microsoft.com/office/drawing/2017/decorative" val="1"/>
+                <adec:decorative xmlns:adec="http://schemas.microsoft.com/office/drawing/2017/decorative" xmlns="" val="1"/>
               </a:ext>
             </a:extLst>
           </p:cNvPr>
@@ -9106,7 +10266,7 @@
           <p:nvPr>
             <p:extLst>
               <p:ext uri="{386F3935-93C4-4BCD-93E2-E3B085C9AB24}">
-                <p16:designElem xmlns:p16="http://schemas.microsoft.com/office/powerpoint/2015/main" val="1"/>
+                <p16:designElem xmlns:p16="http://schemas.microsoft.com/office/powerpoint/2015/main" xmlns="" val="1"/>
               </p:ext>
             </p:extLst>
           </p:nvPr>
@@ -9158,10 +10318,10 @@
           <p:cNvPr id="11" name="Rectangle 10">
             <a:extLst>
               <a:ext uri="{FF2B5EF4-FFF2-40B4-BE49-F238E27FC236}">
-                <a16:creationId xmlns:a16="http://schemas.microsoft.com/office/drawing/2014/main" id="{49C44AFD-C72D-4D9C-84C6-73E615CED884}"/>
+                <a16:creationId xmlns:a16="http://schemas.microsoft.com/office/drawing/2014/main" xmlns="" id="{49C44AFD-C72D-4D9C-84C6-73E615CED884}"/>
               </a:ext>
               <a:ext uri="{C183D7F6-B498-43B3-948B-1728B52AA6E4}">
-                <adec:decorative xmlns:adec="http://schemas.microsoft.com/office/drawing/2017/decorative" val="1"/>
+                <adec:decorative xmlns:adec="http://schemas.microsoft.com/office/drawing/2017/decorative" xmlns="" val="1"/>
               </a:ext>
             </a:extLst>
           </p:cNvPr>
@@ -9171,7 +10331,7 @@
           <p:nvPr>
             <p:extLst>
               <p:ext uri="{386F3935-93C4-4BCD-93E2-E3B085C9AB24}">
-                <p16:designElem xmlns:p16="http://schemas.microsoft.com/office/powerpoint/2015/main" val="1"/>
+                <p16:designElem xmlns:p16="http://schemas.microsoft.com/office/powerpoint/2015/main" xmlns="" val="1"/>
               </p:ext>
             </p:extLst>
           </p:nvPr>
@@ -9244,14 +10404,14 @@
           </a:p>
         </p:txBody>
       </p:sp>
-      <mc:AlternateContent xmlns:mc="http://schemas.openxmlformats.org/markup-compatibility/2006">
-        <mc:Choice xmlns:a14="http://schemas.microsoft.com/office/drawing/2010/main" Requires="a14">
+      <mc:AlternateContent xmlns:mc="http://schemas.openxmlformats.org/markup-compatibility/2006" xmlns:a14="http://schemas.microsoft.com/office/drawing/2010/main">
+        <mc:Choice Requires="a14">
           <p:sp>
             <p:nvSpPr>
               <p:cNvPr id="3" name="İçerik Yer Tutucusu 2">
                 <a:extLst>
                   <a:ext uri="{FF2B5EF4-FFF2-40B4-BE49-F238E27FC236}">
-                    <a16:creationId xmlns:a16="http://schemas.microsoft.com/office/drawing/2014/main" id="{6E4E30E4-10E7-433A-AF66-10F69CDF6FB0}"/>
+                    <a16:creationId xmlns:a16="http://schemas.microsoft.com/office/drawing/2014/main" xmlns="" id="{6E4E30E4-10E7-433A-AF66-10F69CDF6FB0}"/>
                   </a:ext>
                 </a:extLst>
               </p:cNvPr>
@@ -9631,7 +10791,7 @@
             </p:txBody>
           </p:sp>
         </mc:Choice>
-        <mc:Fallback>
+        <mc:Fallback xmlns="">
           <p:sp>
             <p:nvSpPr>
               <p:cNvPr id="3" name="İçerik Yer Tutucusu 2">
@@ -9680,10 +10840,10 @@
           <p:cNvPr id="13" name="Group 12">
             <a:extLst>
               <a:ext uri="{FF2B5EF4-FFF2-40B4-BE49-F238E27FC236}">
-                <a16:creationId xmlns:a16="http://schemas.microsoft.com/office/drawing/2014/main" id="{1D25B14F-36E0-41E8-956F-CABEF1ADD65F}"/>
+                <a16:creationId xmlns:a16="http://schemas.microsoft.com/office/drawing/2014/main" xmlns="" id="{1D25B14F-36E0-41E8-956F-CABEF1ADD65F}"/>
               </a:ext>
               <a:ext uri="{C183D7F6-B498-43B3-948B-1728B52AA6E4}">
-                <adec:decorative xmlns:adec="http://schemas.microsoft.com/office/drawing/2017/decorative" val="1"/>
+                <adec:decorative xmlns:adec="http://schemas.microsoft.com/office/drawing/2017/decorative" xmlns="" val="1"/>
               </a:ext>
             </a:extLst>
           </p:cNvPr>
@@ -9693,7 +10853,7 @@
           <p:nvPr>
             <p:extLst>
               <p:ext uri="{386F3935-93C4-4BCD-93E2-E3B085C9AB24}">
-                <p16:designElem xmlns:p16="http://schemas.microsoft.com/office/powerpoint/2015/main" val="1"/>
+                <p16:designElem xmlns:p16="http://schemas.microsoft.com/office/powerpoint/2015/main" xmlns="" val="1"/>
               </p:ext>
             </p:extLst>
           </p:nvPr>
@@ -9711,10 +10871,10 @@
             <p:cNvPr id="14" name="Oval 13">
               <a:extLst>
                 <a:ext uri="{FF2B5EF4-FFF2-40B4-BE49-F238E27FC236}">
-                  <a16:creationId xmlns:a16="http://schemas.microsoft.com/office/drawing/2014/main" id="{4AFB9EA5-DE4D-4E6B-A302-F55174E4B19A}"/>
+                  <a16:creationId xmlns:a16="http://schemas.microsoft.com/office/drawing/2014/main" xmlns="" id="{4AFB9EA5-DE4D-4E6B-A302-F55174E4B19A}"/>
                 </a:ext>
                 <a:ext uri="{C183D7F6-B498-43B3-948B-1728B52AA6E4}">
-                  <adec:decorative xmlns:adec="http://schemas.microsoft.com/office/drawing/2017/decorative" val="1"/>
+                  <adec:decorative xmlns:adec="http://schemas.microsoft.com/office/drawing/2017/decorative" xmlns="" val="1"/>
                 </a:ext>
               </a:extLst>
             </p:cNvPr>
@@ -9722,7 +10882,7 @@
             <p:nvPr>
               <p:extLst>
                 <p:ext uri="{386F3935-93C4-4BCD-93E2-E3B085C9AB24}">
-                  <p16:designElem xmlns:p16="http://schemas.microsoft.com/office/powerpoint/2015/main" val="1"/>
+                  <p16:designElem xmlns:p16="http://schemas.microsoft.com/office/powerpoint/2015/main" xmlns="" val="1"/>
                 </p:ext>
               </p:extLst>
             </p:nvPr>
@@ -9798,10 +10958,10 @@
             <p:cNvPr id="15" name="Oval 14">
               <a:extLst>
                 <a:ext uri="{FF2B5EF4-FFF2-40B4-BE49-F238E27FC236}">
-                  <a16:creationId xmlns:a16="http://schemas.microsoft.com/office/drawing/2014/main" id="{E44092F4-4D9B-4D0A-8832-C29E786F8F03}"/>
+                  <a16:creationId xmlns:a16="http://schemas.microsoft.com/office/drawing/2014/main" xmlns="" id="{E44092F4-4D9B-4D0A-8832-C29E786F8F03}"/>
                 </a:ext>
                 <a:ext uri="{C183D7F6-B498-43B3-948B-1728B52AA6E4}">
-                  <adec:decorative xmlns:adec="http://schemas.microsoft.com/office/drawing/2017/decorative" val="1"/>
+                  <adec:decorative xmlns:adec="http://schemas.microsoft.com/office/drawing/2017/decorative" xmlns="" val="1"/>
                 </a:ext>
               </a:extLst>
             </p:cNvPr>
@@ -9809,7 +10969,7 @@
             <p:nvPr>
               <p:extLst>
                 <p:ext uri="{386F3935-93C4-4BCD-93E2-E3B085C9AB24}">
-                  <p16:designElem xmlns:p16="http://schemas.microsoft.com/office/powerpoint/2015/main" val="1"/>
+                  <p16:designElem xmlns:p16="http://schemas.microsoft.com/office/powerpoint/2015/main" xmlns="" val="1"/>
                 </p:ext>
               </p:extLst>
             </p:nvPr>
@@ -9880,6 +11040,13 @@
   <p:clrMapOvr>
     <a:overrideClrMapping bg1="dk1" tx1="lt1" bg2="dk2" tx2="lt2" accent1="accent1" accent2="accent2" accent3="accent3" accent4="accent4" accent5="accent5" accent6="accent6" hlink="hlink" folHlink="folHlink"/>
   </p:clrMapOvr>
+  <p:timing>
+    <p:tnLst>
+      <p:par>
+        <p:cTn id="1" dur="indefinite" restart="never" nodeType="tmRoot"/>
+      </p:par>
+    </p:tnLst>
+  </p:timing>
 </p:sld>
 </file>
 
@@ -9913,7 +11080,7 @@
           <p:cNvPr id="4" name="Resim 3">
             <a:extLst>
               <a:ext uri="{FF2B5EF4-FFF2-40B4-BE49-F238E27FC236}">
-                <a16:creationId xmlns:a16="http://schemas.microsoft.com/office/drawing/2014/main" id="{E865A3C7-CFCA-41B7-8E77-6B7DC3A5BEDD}"/>
+                <a16:creationId xmlns:a16="http://schemas.microsoft.com/office/drawing/2014/main" xmlns="" id="{E865A3C7-CFCA-41B7-8E77-6B7DC3A5BEDD}"/>
               </a:ext>
             </a:extLst>
           </p:cNvPr>
@@ -9942,10 +11109,10 @@
           <p:cNvPr id="35" name="Rectangle 34">
             <a:extLst>
               <a:ext uri="{FF2B5EF4-FFF2-40B4-BE49-F238E27FC236}">
-                <a16:creationId xmlns:a16="http://schemas.microsoft.com/office/drawing/2014/main" id="{F79FF99C-BAA9-404F-9C96-6DD456B4F795}"/>
+                <a16:creationId xmlns:a16="http://schemas.microsoft.com/office/drawing/2014/main" xmlns="" id="{F79FF99C-BAA9-404F-9C96-6DD456B4F795}"/>
               </a:ext>
               <a:ext uri="{C183D7F6-B498-43B3-948B-1728B52AA6E4}">
-                <adec:decorative xmlns:adec="http://schemas.microsoft.com/office/drawing/2017/decorative" val="1"/>
+                <adec:decorative xmlns:adec="http://schemas.microsoft.com/office/drawing/2017/decorative" xmlns="" val="1"/>
               </a:ext>
             </a:extLst>
           </p:cNvPr>
@@ -9955,7 +11122,7 @@
           <p:nvPr>
             <p:extLst>
               <p:ext uri="{386F3935-93C4-4BCD-93E2-E3B085C9AB24}">
-                <p16:designElem xmlns:p16="http://schemas.microsoft.com/office/powerpoint/2015/main" val="1"/>
+                <p16:designElem xmlns:p16="http://schemas.microsoft.com/office/powerpoint/2015/main" xmlns="" val="1"/>
               </p:ext>
             </p:extLst>
           </p:nvPr>
@@ -10007,10 +11174,10 @@
           <p:cNvPr id="37" name="Rectangle 36">
             <a:extLst>
               <a:ext uri="{FF2B5EF4-FFF2-40B4-BE49-F238E27FC236}">
-                <a16:creationId xmlns:a16="http://schemas.microsoft.com/office/drawing/2014/main" id="{49C44AFD-C72D-4D9C-84C6-73E615CED884}"/>
+                <a16:creationId xmlns:a16="http://schemas.microsoft.com/office/drawing/2014/main" xmlns="" id="{49C44AFD-C72D-4D9C-84C6-73E615CED884}"/>
               </a:ext>
               <a:ext uri="{C183D7F6-B498-43B3-948B-1728B52AA6E4}">
-                <adec:decorative xmlns:adec="http://schemas.microsoft.com/office/drawing/2017/decorative" val="1"/>
+                <adec:decorative xmlns:adec="http://schemas.microsoft.com/office/drawing/2017/decorative" xmlns="" val="1"/>
               </a:ext>
             </a:extLst>
           </p:cNvPr>
@@ -10020,7 +11187,7 @@
           <p:nvPr>
             <p:extLst>
               <p:ext uri="{386F3935-93C4-4BCD-93E2-E3B085C9AB24}">
-                <p16:designElem xmlns:p16="http://schemas.microsoft.com/office/powerpoint/2015/main" val="1"/>
+                <p16:designElem xmlns:p16="http://schemas.microsoft.com/office/powerpoint/2015/main" xmlns="" val="1"/>
               </p:ext>
             </p:extLst>
           </p:nvPr>
@@ -10093,14 +11260,14 @@
           </a:p>
         </p:txBody>
       </p:sp>
-      <mc:AlternateContent xmlns:mc="http://schemas.openxmlformats.org/markup-compatibility/2006">
-        <mc:Choice xmlns:a14="http://schemas.microsoft.com/office/drawing/2010/main" Requires="a14">
+      <mc:AlternateContent xmlns:mc="http://schemas.openxmlformats.org/markup-compatibility/2006" xmlns:a14="http://schemas.microsoft.com/office/drawing/2010/main">
+        <mc:Choice Requires="a14">
           <p:sp>
             <p:nvSpPr>
               <p:cNvPr id="3" name="İçerik Yer Tutucusu 2">
                 <a:extLst>
                   <a:ext uri="{FF2B5EF4-FFF2-40B4-BE49-F238E27FC236}">
-                    <a16:creationId xmlns:a16="http://schemas.microsoft.com/office/drawing/2014/main" id="{018E3FA4-CAA4-43E3-974F-9132BC2D415B}"/>
+                    <a16:creationId xmlns:a16="http://schemas.microsoft.com/office/drawing/2014/main" xmlns="" id="{018E3FA4-CAA4-43E3-974F-9132BC2D415B}"/>
                   </a:ext>
                 </a:extLst>
               </p:cNvPr>
@@ -10368,7 +11535,7 @@
             </p:txBody>
           </p:sp>
         </mc:Choice>
-        <mc:Fallback>
+        <mc:Fallback xmlns="">
           <p:sp>
             <p:nvSpPr>
               <p:cNvPr id="3" name="İçerik Yer Tutucusu 2">
@@ -10417,10 +11584,10 @@
           <p:cNvPr id="39" name="Group 38">
             <a:extLst>
               <a:ext uri="{FF2B5EF4-FFF2-40B4-BE49-F238E27FC236}">
-                <a16:creationId xmlns:a16="http://schemas.microsoft.com/office/drawing/2014/main" id="{1D25B14F-36E0-41E8-956F-CABEF1ADD65F}"/>
+                <a16:creationId xmlns:a16="http://schemas.microsoft.com/office/drawing/2014/main" xmlns="" id="{1D25B14F-36E0-41E8-956F-CABEF1ADD65F}"/>
               </a:ext>
               <a:ext uri="{C183D7F6-B498-43B3-948B-1728B52AA6E4}">
-                <adec:decorative xmlns:adec="http://schemas.microsoft.com/office/drawing/2017/decorative" val="1"/>
+                <adec:decorative xmlns:adec="http://schemas.microsoft.com/office/drawing/2017/decorative" xmlns="" val="1"/>
               </a:ext>
             </a:extLst>
           </p:cNvPr>
@@ -10430,7 +11597,7 @@
           <p:nvPr>
             <p:extLst>
               <p:ext uri="{386F3935-93C4-4BCD-93E2-E3B085C9AB24}">
-                <p16:designElem xmlns:p16="http://schemas.microsoft.com/office/powerpoint/2015/main" val="1"/>
+                <p16:designElem xmlns:p16="http://schemas.microsoft.com/office/powerpoint/2015/main" xmlns="" val="1"/>
               </p:ext>
             </p:extLst>
           </p:nvPr>
@@ -10448,10 +11615,10 @@
             <p:cNvPr id="40" name="Oval 39">
               <a:extLst>
                 <a:ext uri="{FF2B5EF4-FFF2-40B4-BE49-F238E27FC236}">
-                  <a16:creationId xmlns:a16="http://schemas.microsoft.com/office/drawing/2014/main" id="{4AFB9EA5-DE4D-4E6B-A302-F55174E4B19A}"/>
+                  <a16:creationId xmlns:a16="http://schemas.microsoft.com/office/drawing/2014/main" xmlns="" id="{4AFB9EA5-DE4D-4E6B-A302-F55174E4B19A}"/>
                 </a:ext>
                 <a:ext uri="{C183D7F6-B498-43B3-948B-1728B52AA6E4}">
-                  <adec:decorative xmlns:adec="http://schemas.microsoft.com/office/drawing/2017/decorative" val="1"/>
+                  <adec:decorative xmlns:adec="http://schemas.microsoft.com/office/drawing/2017/decorative" xmlns="" val="1"/>
                 </a:ext>
               </a:extLst>
             </p:cNvPr>
@@ -10459,7 +11626,7 @@
             <p:nvPr>
               <p:extLst>
                 <p:ext uri="{386F3935-93C4-4BCD-93E2-E3B085C9AB24}">
-                  <p16:designElem xmlns:p16="http://schemas.microsoft.com/office/powerpoint/2015/main" val="1"/>
+                  <p16:designElem xmlns:p16="http://schemas.microsoft.com/office/powerpoint/2015/main" xmlns="" val="1"/>
                 </p:ext>
               </p:extLst>
             </p:nvPr>
@@ -10535,10 +11702,10 @@
             <p:cNvPr id="41" name="Oval 40">
               <a:extLst>
                 <a:ext uri="{FF2B5EF4-FFF2-40B4-BE49-F238E27FC236}">
-                  <a16:creationId xmlns:a16="http://schemas.microsoft.com/office/drawing/2014/main" id="{E44092F4-4D9B-4D0A-8832-C29E786F8F03}"/>
+                  <a16:creationId xmlns:a16="http://schemas.microsoft.com/office/drawing/2014/main" xmlns="" id="{E44092F4-4D9B-4D0A-8832-C29E786F8F03}"/>
                 </a:ext>
                 <a:ext uri="{C183D7F6-B498-43B3-948B-1728B52AA6E4}">
-                  <adec:decorative xmlns:adec="http://schemas.microsoft.com/office/drawing/2017/decorative" val="1"/>
+                  <adec:decorative xmlns:adec="http://schemas.microsoft.com/office/drawing/2017/decorative" xmlns="" val="1"/>
                 </a:ext>
               </a:extLst>
             </p:cNvPr>
@@ -10546,7 +11713,7 @@
             <p:nvPr>
               <p:extLst>
                 <p:ext uri="{386F3935-93C4-4BCD-93E2-E3B085C9AB24}">
-                  <p16:designElem xmlns:p16="http://schemas.microsoft.com/office/powerpoint/2015/main" val="1"/>
+                  <p16:designElem xmlns:p16="http://schemas.microsoft.com/office/powerpoint/2015/main" xmlns="" val="1"/>
                 </p:ext>
               </p:extLst>
             </p:nvPr>
@@ -10617,6 +11784,13 @@
   <p:clrMapOvr>
     <a:overrideClrMapping bg1="dk1" tx1="lt1" bg2="dk2" tx2="lt2" accent1="accent1" accent2="accent2" accent3="accent3" accent4="accent4" accent5="accent5" accent6="accent6" hlink="hlink" folHlink="folHlink"/>
   </p:clrMapOvr>
+  <p:timing>
+    <p:tnLst>
+      <p:par>
+        <p:cTn id="1" dur="indefinite" restart="never" nodeType="tmRoot"/>
+      </p:par>
+    </p:tnLst>
+  </p:timing>
 </p:sld>
 </file>
 
@@ -10650,7 +11824,7 @@
           <p:cNvPr id="2" name="Unvan 1">
             <a:extLst>
               <a:ext uri="{FF2B5EF4-FFF2-40B4-BE49-F238E27FC236}">
-                <a16:creationId xmlns:a16="http://schemas.microsoft.com/office/drawing/2014/main" id="{8DEE28A0-6BC5-4A8A-8E8B-55745EC4C0E9}"/>
+                <a16:creationId xmlns:a16="http://schemas.microsoft.com/office/drawing/2014/main" xmlns="" id="{8DEE28A0-6BC5-4A8A-8E8B-55745EC4C0E9}"/>
               </a:ext>
             </a:extLst>
           </p:cNvPr>
@@ -10692,7 +11866,7 @@
           <p:cNvPr id="3" name="Resim 2">
             <a:extLst>
               <a:ext uri="{FF2B5EF4-FFF2-40B4-BE49-F238E27FC236}">
-                <a16:creationId xmlns:a16="http://schemas.microsoft.com/office/drawing/2014/main" id="{30407CD9-C455-4E00-849D-75A3F4D4D127}"/>
+                <a16:creationId xmlns:a16="http://schemas.microsoft.com/office/drawing/2014/main" xmlns="" id="{30407CD9-C455-4E00-849D-75A3F4D4D127}"/>
               </a:ext>
             </a:extLst>
           </p:cNvPr>
@@ -10721,7 +11895,7 @@
           <p:cNvPr id="7" name="Resim 6">
             <a:extLst>
               <a:ext uri="{FF2B5EF4-FFF2-40B4-BE49-F238E27FC236}">
-                <a16:creationId xmlns:a16="http://schemas.microsoft.com/office/drawing/2014/main" id="{7A33EACE-6137-4F44-99B6-843EB031B564}"/>
+                <a16:creationId xmlns:a16="http://schemas.microsoft.com/office/drawing/2014/main" xmlns="" id="{7A33EACE-6137-4F44-99B6-843EB031B564}"/>
               </a:ext>
             </a:extLst>
           </p:cNvPr>
@@ -10750,7 +11924,7 @@
           <p:cNvPr id="8" name="Resim 7">
             <a:extLst>
               <a:ext uri="{FF2B5EF4-FFF2-40B4-BE49-F238E27FC236}">
-                <a16:creationId xmlns:a16="http://schemas.microsoft.com/office/drawing/2014/main" id="{C8C5FA05-C54F-4861-B163-83A0674640CB}"/>
+                <a16:creationId xmlns:a16="http://schemas.microsoft.com/office/drawing/2014/main" xmlns="" id="{C8C5FA05-C54F-4861-B163-83A0674640CB}"/>
               </a:ext>
             </a:extLst>
           </p:cNvPr>
@@ -10780,7 +11954,7 @@
           <p:cNvPr id="9" name="Resim 8">
             <a:extLst>
               <a:ext uri="{FF2B5EF4-FFF2-40B4-BE49-F238E27FC236}">
-                <a16:creationId xmlns:a16="http://schemas.microsoft.com/office/drawing/2014/main" id="{B251F35D-8794-4D8D-860C-CC82C7E59369}"/>
+                <a16:creationId xmlns:a16="http://schemas.microsoft.com/office/drawing/2014/main" xmlns="" id="{B251F35D-8794-4D8D-860C-CC82C7E59369}"/>
               </a:ext>
             </a:extLst>
           </p:cNvPr>
@@ -10815,6 +11989,13 @@
   <p:clrMapOvr>
     <a:masterClrMapping/>
   </p:clrMapOvr>
+  <p:timing>
+    <p:tnLst>
+      <p:par>
+        <p:cTn id="1" dur="indefinite" restart="never" nodeType="tmRoot"/>
+      </p:par>
+    </p:tnLst>
+  </p:timing>
 </p:sld>
 </file>
 
@@ -10848,7 +12029,7 @@
           <p:cNvPr id="2" name="Unvan 1">
             <a:extLst>
               <a:ext uri="{FF2B5EF4-FFF2-40B4-BE49-F238E27FC236}">
-                <a16:creationId xmlns:a16="http://schemas.microsoft.com/office/drawing/2014/main" id="{8DEE28A0-6BC5-4A8A-8E8B-55745EC4C0E9}"/>
+                <a16:creationId xmlns:a16="http://schemas.microsoft.com/office/drawing/2014/main" xmlns="" id="{8DEE28A0-6BC5-4A8A-8E8B-55745EC4C0E9}"/>
               </a:ext>
             </a:extLst>
           </p:cNvPr>
@@ -10890,7 +12071,7 @@
           <p:cNvPr id="3" name="Resim 2">
             <a:extLst>
               <a:ext uri="{FF2B5EF4-FFF2-40B4-BE49-F238E27FC236}">
-                <a16:creationId xmlns:a16="http://schemas.microsoft.com/office/drawing/2014/main" id="{27A10D76-C0D5-4897-A438-057CA3D5C234}"/>
+                <a16:creationId xmlns:a16="http://schemas.microsoft.com/office/drawing/2014/main" xmlns="" id="{27A10D76-C0D5-4897-A438-057CA3D5C234}"/>
               </a:ext>
             </a:extLst>
           </p:cNvPr>
@@ -10920,7 +12101,7 @@
           <p:cNvPr id="7" name="Resim 6">
             <a:extLst>
               <a:ext uri="{FF2B5EF4-FFF2-40B4-BE49-F238E27FC236}">
-                <a16:creationId xmlns:a16="http://schemas.microsoft.com/office/drawing/2014/main" id="{3FAA59AB-6504-4587-8C60-5F149144D60F}"/>
+                <a16:creationId xmlns:a16="http://schemas.microsoft.com/office/drawing/2014/main" xmlns="" id="{3FAA59AB-6504-4587-8C60-5F149144D60F}"/>
               </a:ext>
             </a:extLst>
           </p:cNvPr>
@@ -10950,7 +12131,7 @@
           <p:cNvPr id="8" name="Resim 7">
             <a:extLst>
               <a:ext uri="{FF2B5EF4-FFF2-40B4-BE49-F238E27FC236}">
-                <a16:creationId xmlns:a16="http://schemas.microsoft.com/office/drawing/2014/main" id="{69514997-38FA-4AD1-8AF7-D988CC09B704}"/>
+                <a16:creationId xmlns:a16="http://schemas.microsoft.com/office/drawing/2014/main" xmlns="" id="{69514997-38FA-4AD1-8AF7-D988CC09B704}"/>
               </a:ext>
             </a:extLst>
           </p:cNvPr>
@@ -10980,7 +12161,7 @@
           <p:cNvPr id="9" name="Resim 8">
             <a:extLst>
               <a:ext uri="{FF2B5EF4-FFF2-40B4-BE49-F238E27FC236}">
-                <a16:creationId xmlns:a16="http://schemas.microsoft.com/office/drawing/2014/main" id="{7FBF0971-D517-43A1-96A9-BB64789FD85E}"/>
+                <a16:creationId xmlns:a16="http://schemas.microsoft.com/office/drawing/2014/main" xmlns="" id="{7FBF0971-D517-43A1-96A9-BB64789FD85E}"/>
               </a:ext>
             </a:extLst>
           </p:cNvPr>
@@ -11015,6 +12196,13 @@
   <p:clrMapOvr>
     <a:masterClrMapping/>
   </p:clrMapOvr>
+  <p:timing>
+    <p:tnLst>
+      <p:par>
+        <p:cTn id="1" dur="indefinite" restart="never" nodeType="tmRoot"/>
+      </p:par>
+    </p:tnLst>
+  </p:timing>
 </p:sld>
 </file>
 
@@ -11040,7 +12228,7 @@
           <p:cNvPr id="2" name="Unvan 1">
             <a:extLst>
               <a:ext uri="{FF2B5EF4-FFF2-40B4-BE49-F238E27FC236}">
-                <a16:creationId xmlns:a16="http://schemas.microsoft.com/office/drawing/2014/main" id="{030C8F55-0DA0-4B65-9D33-AB72BB5C6924}"/>
+                <a16:creationId xmlns:a16="http://schemas.microsoft.com/office/drawing/2014/main" xmlns="" id="{030C8F55-0DA0-4B65-9D33-AB72BB5C6924}"/>
               </a:ext>
             </a:extLst>
           </p:cNvPr>
@@ -11088,7 +12276,7 @@
           <p:cNvPr id="7" name="İçerik Yer Tutucusu 6">
             <a:extLst>
               <a:ext uri="{FF2B5EF4-FFF2-40B4-BE49-F238E27FC236}">
-                <a16:creationId xmlns:a16="http://schemas.microsoft.com/office/drawing/2014/main" id="{C18C6D0B-7001-4805-B829-F5D42DEEC6E8}"/>
+                <a16:creationId xmlns:a16="http://schemas.microsoft.com/office/drawing/2014/main" xmlns="" id="{C18C6D0B-7001-4805-B829-F5D42DEEC6E8}"/>
               </a:ext>
             </a:extLst>
           </p:cNvPr>
@@ -11125,6 +12313,13 @@
   <p:clrMapOvr>
     <a:masterClrMapping/>
   </p:clrMapOvr>
+  <p:timing>
+    <p:tnLst>
+      <p:par>
+        <p:cTn id="1" dur="indefinite" restart="never" nodeType="tmRoot"/>
+      </p:par>
+    </p:tnLst>
+  </p:timing>
 </p:sld>
 </file>
 
